--- a/FFPM/FFPM 486.pptx
+++ b/FFPM/FFPM 486.pptx
@@ -4,6 +4,9 @@
   <p:sldMasterIdLst>
     <p:sldMasterId id="2147483648" r:id="rId1"/>
   </p:sldMasterIdLst>
+  <p:notesMasterIdLst>
+    <p:notesMasterId r:id="rId13"/>
+  </p:notesMasterIdLst>
   <p:sldIdLst>
     <p:sldId id="256" r:id="rId2"/>
     <p:sldId id="257" r:id="rId3"/>
@@ -114,7 +117,1128 @@
       </a:defRPr>
     </a:lvl9pPr>
   </p:defaultTextStyle>
+  <p:extLst>
+    <p:ext uri="{EFAFB233-063F-42B5-8137-9DF3F51BA10A}">
+      <p15:sldGuideLst xmlns:p15="http://schemas.microsoft.com/office/powerpoint/2012/main">
+        <p15:guide id="1" orient="horz" pos="1620">
+          <p15:clr>
+            <a:srgbClr val="A4A3A4"/>
+          </p15:clr>
+        </p15:guide>
+        <p15:guide id="2" pos="2880">
+          <p15:clr>
+            <a:srgbClr val="A4A3A4"/>
+          </p15:clr>
+        </p15:guide>
+      </p15:sldGuideLst>
+    </p:ext>
+  </p:extLst>
 </p:presentation>
+</file>
+
+<file path=ppt/notesMasters/notesMaster1.xml><?xml version="1.0" encoding="utf-8"?>
+<p:notesMaster xmlns:a="http://schemas.openxmlformats.org/drawingml/2006/main" xmlns:r="http://schemas.openxmlformats.org/officeDocument/2006/relationships" xmlns:p="http://schemas.openxmlformats.org/presentationml/2006/main">
+  <p:cSld>
+    <p:bg>
+      <p:bgRef idx="1001">
+        <a:schemeClr val="bg1"/>
+      </p:bgRef>
+    </p:bg>
+    <p:spTree>
+      <p:nvGrpSpPr>
+        <p:cNvPr id="1" name=""/>
+        <p:cNvGrpSpPr/>
+        <p:nvPr/>
+      </p:nvGrpSpPr>
+      <p:grpSpPr>
+        <a:xfrm>
+          <a:off x="0" y="0"/>
+          <a:ext cx="0" cy="0"/>
+          <a:chOff x="0" y="0"/>
+          <a:chExt cx="0" cy="0"/>
+        </a:xfrm>
+      </p:grpSpPr>
+      <p:sp>
+        <p:nvSpPr>
+          <p:cNvPr id="2" name="Espace réservé de l'en-tête 1"/>
+          <p:cNvSpPr>
+            <a:spLocks noGrp="1"/>
+          </p:cNvSpPr>
+          <p:nvPr>
+            <p:ph type="hdr" sz="quarter"/>
+          </p:nvPr>
+        </p:nvSpPr>
+        <p:spPr>
+          <a:xfrm>
+            <a:off x="0" y="0"/>
+            <a:ext cx="2971800" cy="458788"/>
+          </a:xfrm>
+          <a:prstGeom prst="rect">
+            <a:avLst/>
+          </a:prstGeom>
+        </p:spPr>
+        <p:txBody>
+          <a:bodyPr vert="horz" lIns="91440" tIns="45720" rIns="91440" bIns="45720" rtlCol="0"/>
+          <a:lstStyle>
+            <a:lvl1pPr algn="l">
+              <a:defRPr sz="1200"/>
+            </a:lvl1pPr>
+          </a:lstStyle>
+          <a:p>
+            <a:endParaRPr lang="fr-FR"/>
+          </a:p>
+        </p:txBody>
+      </p:sp>
+      <p:sp>
+        <p:nvSpPr>
+          <p:cNvPr id="3" name="Espace réservé de la date 2"/>
+          <p:cNvSpPr>
+            <a:spLocks noGrp="1"/>
+          </p:cNvSpPr>
+          <p:nvPr>
+            <p:ph type="dt" idx="1"/>
+          </p:nvPr>
+        </p:nvSpPr>
+        <p:spPr>
+          <a:xfrm>
+            <a:off x="3884613" y="0"/>
+            <a:ext cx="2971800" cy="458788"/>
+          </a:xfrm>
+          <a:prstGeom prst="rect">
+            <a:avLst/>
+          </a:prstGeom>
+        </p:spPr>
+        <p:txBody>
+          <a:bodyPr vert="horz" lIns="91440" tIns="45720" rIns="91440" bIns="45720" rtlCol="0"/>
+          <a:lstStyle>
+            <a:lvl1pPr algn="r">
+              <a:defRPr sz="1200"/>
+            </a:lvl1pPr>
+          </a:lstStyle>
+          <a:p>
+            <a:fld id="{AAFCA39E-695D-4656-A86D-4CE1F6942F20}" type="datetimeFigureOut">
+              <a:rPr lang="fr-FR" smtClean="0"/>
+              <a:t>21/05/2023</a:t>
+            </a:fld>
+            <a:endParaRPr lang="fr-FR"/>
+          </a:p>
+        </p:txBody>
+      </p:sp>
+      <p:sp>
+        <p:nvSpPr>
+          <p:cNvPr id="4" name="Espace réservé de l'image des diapositives 3"/>
+          <p:cNvSpPr>
+            <a:spLocks noGrp="1" noRot="1" noChangeAspect="1"/>
+          </p:cNvSpPr>
+          <p:nvPr>
+            <p:ph type="sldImg" idx="2"/>
+          </p:nvPr>
+        </p:nvSpPr>
+        <p:spPr>
+          <a:xfrm>
+            <a:off x="685800" y="1143000"/>
+            <a:ext cx="5486400" cy="3086100"/>
+          </a:xfrm>
+          <a:prstGeom prst="rect">
+            <a:avLst/>
+          </a:prstGeom>
+          <a:noFill/>
+          <a:ln w="12700">
+            <a:solidFill>
+              <a:prstClr val="black"/>
+            </a:solidFill>
+          </a:ln>
+        </p:spPr>
+        <p:txBody>
+          <a:bodyPr vert="horz" lIns="91440" tIns="45720" rIns="91440" bIns="45720" rtlCol="0" anchor="ctr"/>
+          <a:lstStyle/>
+          <a:p>
+            <a:endParaRPr lang="fr-FR"/>
+          </a:p>
+        </p:txBody>
+      </p:sp>
+      <p:sp>
+        <p:nvSpPr>
+          <p:cNvPr id="5" name="Espace réservé des notes 4"/>
+          <p:cNvSpPr>
+            <a:spLocks noGrp="1"/>
+          </p:cNvSpPr>
+          <p:nvPr>
+            <p:ph type="body" sz="quarter" idx="3"/>
+          </p:nvPr>
+        </p:nvSpPr>
+        <p:spPr>
+          <a:xfrm>
+            <a:off x="685800" y="4400550"/>
+            <a:ext cx="5486400" cy="3600450"/>
+          </a:xfrm>
+          <a:prstGeom prst="rect">
+            <a:avLst/>
+          </a:prstGeom>
+        </p:spPr>
+        <p:txBody>
+          <a:bodyPr vert="horz" lIns="91440" tIns="45720" rIns="91440" bIns="45720" rtlCol="0"/>
+          <a:lstStyle/>
+          <a:p>
+            <a:pPr lvl="0"/>
+            <a:r>
+              <a:rPr lang="fr-FR"/>
+              <a:t>Cliquez pour modifier les styles du texte du masque</a:t>
+            </a:r>
+          </a:p>
+          <a:p>
+            <a:pPr lvl="1"/>
+            <a:r>
+              <a:rPr lang="fr-FR"/>
+              <a:t>Deuxième niveau</a:t>
+            </a:r>
+          </a:p>
+          <a:p>
+            <a:pPr lvl="2"/>
+            <a:r>
+              <a:rPr lang="fr-FR"/>
+              <a:t>Troisième niveau</a:t>
+            </a:r>
+          </a:p>
+          <a:p>
+            <a:pPr lvl="3"/>
+            <a:r>
+              <a:rPr lang="fr-FR"/>
+              <a:t>Quatrième niveau</a:t>
+            </a:r>
+          </a:p>
+          <a:p>
+            <a:pPr lvl="4"/>
+            <a:r>
+              <a:rPr lang="fr-FR"/>
+              <a:t>Cinquième niveau</a:t>
+            </a:r>
+          </a:p>
+        </p:txBody>
+      </p:sp>
+      <p:sp>
+        <p:nvSpPr>
+          <p:cNvPr id="6" name="Espace réservé du pied de page 5"/>
+          <p:cNvSpPr>
+            <a:spLocks noGrp="1"/>
+          </p:cNvSpPr>
+          <p:nvPr>
+            <p:ph type="ftr" sz="quarter" idx="4"/>
+          </p:nvPr>
+        </p:nvSpPr>
+        <p:spPr>
+          <a:xfrm>
+            <a:off x="0" y="8685213"/>
+            <a:ext cx="2971800" cy="458787"/>
+          </a:xfrm>
+          <a:prstGeom prst="rect">
+            <a:avLst/>
+          </a:prstGeom>
+        </p:spPr>
+        <p:txBody>
+          <a:bodyPr vert="horz" lIns="91440" tIns="45720" rIns="91440" bIns="45720" rtlCol="0" anchor="b"/>
+          <a:lstStyle>
+            <a:lvl1pPr algn="l">
+              <a:defRPr sz="1200"/>
+            </a:lvl1pPr>
+          </a:lstStyle>
+          <a:p>
+            <a:endParaRPr lang="fr-FR"/>
+          </a:p>
+        </p:txBody>
+      </p:sp>
+      <p:sp>
+        <p:nvSpPr>
+          <p:cNvPr id="7" name="Espace réservé du numéro de diapositive 6"/>
+          <p:cNvSpPr>
+            <a:spLocks noGrp="1"/>
+          </p:cNvSpPr>
+          <p:nvPr>
+            <p:ph type="sldNum" sz="quarter" idx="5"/>
+          </p:nvPr>
+        </p:nvSpPr>
+        <p:spPr>
+          <a:xfrm>
+            <a:off x="3884613" y="8685213"/>
+            <a:ext cx="2971800" cy="458787"/>
+          </a:xfrm>
+          <a:prstGeom prst="rect">
+            <a:avLst/>
+          </a:prstGeom>
+        </p:spPr>
+        <p:txBody>
+          <a:bodyPr vert="horz" lIns="91440" tIns="45720" rIns="91440" bIns="45720" rtlCol="0" anchor="b"/>
+          <a:lstStyle>
+            <a:lvl1pPr algn="r">
+              <a:defRPr sz="1200"/>
+            </a:lvl1pPr>
+          </a:lstStyle>
+          <a:p>
+            <a:fld id="{AEDBE898-C82D-493C-BD2B-FABFF5D14D4F}" type="slidenum">
+              <a:rPr lang="fr-FR" smtClean="0"/>
+              <a:t>‹N°›</a:t>
+            </a:fld>
+            <a:endParaRPr lang="fr-FR"/>
+          </a:p>
+        </p:txBody>
+      </p:sp>
+    </p:spTree>
+    <p:extLst>
+      <p:ext uri="{BB962C8B-B14F-4D97-AF65-F5344CB8AC3E}">
+        <p14:creationId xmlns:p14="http://schemas.microsoft.com/office/powerpoint/2010/main" val="681124464"/>
+      </p:ext>
+    </p:extLst>
+  </p:cSld>
+  <p:clrMap bg1="lt1" tx1="dk1" bg2="lt2" tx2="dk2" accent1="accent1" accent2="accent2" accent3="accent3" accent4="accent4" accent5="accent5" accent6="accent6" hlink="hlink" folHlink="folHlink"/>
+  <p:notesStyle>
+    <a:lvl1pPr marL="0" algn="l" defTabSz="914400" rtl="0" eaLnBrk="1" latinLnBrk="0" hangingPunct="1">
+      <a:defRPr sz="1200" kern="1200">
+        <a:solidFill>
+          <a:schemeClr val="tx1"/>
+        </a:solidFill>
+        <a:latin typeface="+mn-lt"/>
+        <a:ea typeface="+mn-ea"/>
+        <a:cs typeface="+mn-cs"/>
+      </a:defRPr>
+    </a:lvl1pPr>
+    <a:lvl2pPr marL="457200" algn="l" defTabSz="914400" rtl="0" eaLnBrk="1" latinLnBrk="0" hangingPunct="1">
+      <a:defRPr sz="1200" kern="1200">
+        <a:solidFill>
+          <a:schemeClr val="tx1"/>
+        </a:solidFill>
+        <a:latin typeface="+mn-lt"/>
+        <a:ea typeface="+mn-ea"/>
+        <a:cs typeface="+mn-cs"/>
+      </a:defRPr>
+    </a:lvl2pPr>
+    <a:lvl3pPr marL="914400" algn="l" defTabSz="914400" rtl="0" eaLnBrk="1" latinLnBrk="0" hangingPunct="1">
+      <a:defRPr sz="1200" kern="1200">
+        <a:solidFill>
+          <a:schemeClr val="tx1"/>
+        </a:solidFill>
+        <a:latin typeface="+mn-lt"/>
+        <a:ea typeface="+mn-ea"/>
+        <a:cs typeface="+mn-cs"/>
+      </a:defRPr>
+    </a:lvl3pPr>
+    <a:lvl4pPr marL="1371600" algn="l" defTabSz="914400" rtl="0" eaLnBrk="1" latinLnBrk="0" hangingPunct="1">
+      <a:defRPr sz="1200" kern="1200">
+        <a:solidFill>
+          <a:schemeClr val="tx1"/>
+        </a:solidFill>
+        <a:latin typeface="+mn-lt"/>
+        <a:ea typeface="+mn-ea"/>
+        <a:cs typeface="+mn-cs"/>
+      </a:defRPr>
+    </a:lvl4pPr>
+    <a:lvl5pPr marL="1828800" algn="l" defTabSz="914400" rtl="0" eaLnBrk="1" latinLnBrk="0" hangingPunct="1">
+      <a:defRPr sz="1200" kern="1200">
+        <a:solidFill>
+          <a:schemeClr val="tx1"/>
+        </a:solidFill>
+        <a:latin typeface="+mn-lt"/>
+        <a:ea typeface="+mn-ea"/>
+        <a:cs typeface="+mn-cs"/>
+      </a:defRPr>
+    </a:lvl5pPr>
+    <a:lvl6pPr marL="2286000" algn="l" defTabSz="914400" rtl="0" eaLnBrk="1" latinLnBrk="0" hangingPunct="1">
+      <a:defRPr sz="1200" kern="1200">
+        <a:solidFill>
+          <a:schemeClr val="tx1"/>
+        </a:solidFill>
+        <a:latin typeface="+mn-lt"/>
+        <a:ea typeface="+mn-ea"/>
+        <a:cs typeface="+mn-cs"/>
+      </a:defRPr>
+    </a:lvl6pPr>
+    <a:lvl7pPr marL="2743200" algn="l" defTabSz="914400" rtl="0" eaLnBrk="1" latinLnBrk="0" hangingPunct="1">
+      <a:defRPr sz="1200" kern="1200">
+        <a:solidFill>
+          <a:schemeClr val="tx1"/>
+        </a:solidFill>
+        <a:latin typeface="+mn-lt"/>
+        <a:ea typeface="+mn-ea"/>
+        <a:cs typeface="+mn-cs"/>
+      </a:defRPr>
+    </a:lvl7pPr>
+    <a:lvl8pPr marL="3200400" algn="l" defTabSz="914400" rtl="0" eaLnBrk="1" latinLnBrk="0" hangingPunct="1">
+      <a:defRPr sz="1200" kern="1200">
+        <a:solidFill>
+          <a:schemeClr val="tx1"/>
+        </a:solidFill>
+        <a:latin typeface="+mn-lt"/>
+        <a:ea typeface="+mn-ea"/>
+        <a:cs typeface="+mn-cs"/>
+      </a:defRPr>
+    </a:lvl8pPr>
+    <a:lvl9pPr marL="3657600" algn="l" defTabSz="914400" rtl="0" eaLnBrk="1" latinLnBrk="0" hangingPunct="1">
+      <a:defRPr sz="1200" kern="1200">
+        <a:solidFill>
+          <a:schemeClr val="tx1"/>
+        </a:solidFill>
+        <a:latin typeface="+mn-lt"/>
+        <a:ea typeface="+mn-ea"/>
+        <a:cs typeface="+mn-cs"/>
+      </a:defRPr>
+    </a:lvl9pPr>
+  </p:notesStyle>
+</p:notesMaster>
+</file>
+
+<file path=ppt/notesSlides/notesSlide1.xml><?xml version="1.0" encoding="utf-8"?>
+<p:notes xmlns:a="http://schemas.openxmlformats.org/drawingml/2006/main" xmlns:r="http://schemas.openxmlformats.org/officeDocument/2006/relationships" xmlns:p="http://schemas.openxmlformats.org/presentationml/2006/main">
+  <p:cSld>
+    <p:spTree>
+      <p:nvGrpSpPr>
+        <p:cNvPr id="1" name=""/>
+        <p:cNvGrpSpPr/>
+        <p:nvPr/>
+      </p:nvGrpSpPr>
+      <p:grpSpPr>
+        <a:xfrm>
+          <a:off x="0" y="0"/>
+          <a:ext cx="0" cy="0"/>
+          <a:chOff x="0" y="0"/>
+          <a:chExt cx="0" cy="0"/>
+        </a:xfrm>
+      </p:grpSpPr>
+      <p:sp>
+        <p:nvSpPr>
+          <p:cNvPr id="2" name="Espace réservé de l'image des diapositives 1"/>
+          <p:cNvSpPr>
+            <a:spLocks noGrp="1" noRot="1" noChangeAspect="1"/>
+          </p:cNvSpPr>
+          <p:nvPr>
+            <p:ph type="sldImg"/>
+          </p:nvPr>
+        </p:nvSpPr>
+        <p:spPr/>
+      </p:sp>
+      <p:sp>
+        <p:nvSpPr>
+          <p:cNvPr id="3" name="Espace réservé des notes 2"/>
+          <p:cNvSpPr>
+            <a:spLocks noGrp="1"/>
+          </p:cNvSpPr>
+          <p:nvPr>
+            <p:ph type="body" idx="1"/>
+          </p:nvPr>
+        </p:nvSpPr>
+        <p:spPr/>
+        <p:txBody>
+          <a:bodyPr/>
+          <a:lstStyle/>
+          <a:p>
+            <a:endParaRPr lang="fr-FR"/>
+          </a:p>
+        </p:txBody>
+      </p:sp>
+      <p:sp>
+        <p:nvSpPr>
+          <p:cNvPr id="4" name="Espace réservé du numéro de diapositive 3"/>
+          <p:cNvSpPr>
+            <a:spLocks noGrp="1"/>
+          </p:cNvSpPr>
+          <p:nvPr>
+            <p:ph type="sldNum" sz="quarter" idx="5"/>
+          </p:nvPr>
+        </p:nvSpPr>
+        <p:spPr/>
+        <p:txBody>
+          <a:bodyPr/>
+          <a:lstStyle/>
+          <a:p>
+            <a:fld id="{AEDBE898-C82D-493C-BD2B-FABFF5D14D4F}" type="slidenum">
+              <a:rPr lang="fr-FR" smtClean="0"/>
+              <a:t>2</a:t>
+            </a:fld>
+            <a:endParaRPr lang="fr-FR"/>
+          </a:p>
+        </p:txBody>
+      </p:sp>
+    </p:spTree>
+    <p:extLst>
+      <p:ext uri="{BB962C8B-B14F-4D97-AF65-F5344CB8AC3E}">
+        <p14:creationId xmlns:p14="http://schemas.microsoft.com/office/powerpoint/2010/main" val="3871015478"/>
+      </p:ext>
+    </p:extLst>
+  </p:cSld>
+  <p:clrMapOvr>
+    <a:masterClrMapping/>
+  </p:clrMapOvr>
+</p:notes>
+</file>
+
+<file path=ppt/notesSlides/notesSlide2.xml><?xml version="1.0" encoding="utf-8"?>
+<p:notes xmlns:a="http://schemas.openxmlformats.org/drawingml/2006/main" xmlns:r="http://schemas.openxmlformats.org/officeDocument/2006/relationships" xmlns:p="http://schemas.openxmlformats.org/presentationml/2006/main">
+  <p:cSld>
+    <p:spTree>
+      <p:nvGrpSpPr>
+        <p:cNvPr id="1" name=""/>
+        <p:cNvGrpSpPr/>
+        <p:nvPr/>
+      </p:nvGrpSpPr>
+      <p:grpSpPr>
+        <a:xfrm>
+          <a:off x="0" y="0"/>
+          <a:ext cx="0" cy="0"/>
+          <a:chOff x="0" y="0"/>
+          <a:chExt cx="0" cy="0"/>
+        </a:xfrm>
+      </p:grpSpPr>
+      <p:sp>
+        <p:nvSpPr>
+          <p:cNvPr id="2" name="Espace réservé de l'image des diapositives 1"/>
+          <p:cNvSpPr>
+            <a:spLocks noGrp="1" noRot="1" noChangeAspect="1"/>
+          </p:cNvSpPr>
+          <p:nvPr>
+            <p:ph type="sldImg"/>
+          </p:nvPr>
+        </p:nvSpPr>
+        <p:spPr/>
+      </p:sp>
+      <p:sp>
+        <p:nvSpPr>
+          <p:cNvPr id="3" name="Espace réservé des notes 2"/>
+          <p:cNvSpPr>
+            <a:spLocks noGrp="1"/>
+          </p:cNvSpPr>
+          <p:nvPr>
+            <p:ph type="body" idx="1"/>
+          </p:nvPr>
+        </p:nvSpPr>
+        <p:spPr/>
+        <p:txBody>
+          <a:bodyPr/>
+          <a:lstStyle/>
+          <a:p>
+            <a:endParaRPr lang="fr-FR"/>
+          </a:p>
+        </p:txBody>
+      </p:sp>
+      <p:sp>
+        <p:nvSpPr>
+          <p:cNvPr id="4" name="Espace réservé du numéro de diapositive 3"/>
+          <p:cNvSpPr>
+            <a:spLocks noGrp="1"/>
+          </p:cNvSpPr>
+          <p:nvPr>
+            <p:ph type="sldNum" sz="quarter" idx="5"/>
+          </p:nvPr>
+        </p:nvSpPr>
+        <p:spPr/>
+        <p:txBody>
+          <a:bodyPr/>
+          <a:lstStyle/>
+          <a:p>
+            <a:fld id="{AEDBE898-C82D-493C-BD2B-FABFF5D14D4F}" type="slidenum">
+              <a:rPr lang="fr-FR" smtClean="0"/>
+              <a:t>3</a:t>
+            </a:fld>
+            <a:endParaRPr lang="fr-FR"/>
+          </a:p>
+        </p:txBody>
+      </p:sp>
+    </p:spTree>
+    <p:extLst>
+      <p:ext uri="{BB962C8B-B14F-4D97-AF65-F5344CB8AC3E}">
+        <p14:creationId xmlns:p14="http://schemas.microsoft.com/office/powerpoint/2010/main" val="3393725288"/>
+      </p:ext>
+    </p:extLst>
+  </p:cSld>
+  <p:clrMapOvr>
+    <a:masterClrMapping/>
+  </p:clrMapOvr>
+</p:notes>
+</file>
+
+<file path=ppt/notesSlides/notesSlide3.xml><?xml version="1.0" encoding="utf-8"?>
+<p:notes xmlns:a="http://schemas.openxmlformats.org/drawingml/2006/main" xmlns:r="http://schemas.openxmlformats.org/officeDocument/2006/relationships" xmlns:p="http://schemas.openxmlformats.org/presentationml/2006/main">
+  <p:cSld>
+    <p:spTree>
+      <p:nvGrpSpPr>
+        <p:cNvPr id="1" name=""/>
+        <p:cNvGrpSpPr/>
+        <p:nvPr/>
+      </p:nvGrpSpPr>
+      <p:grpSpPr>
+        <a:xfrm>
+          <a:off x="0" y="0"/>
+          <a:ext cx="0" cy="0"/>
+          <a:chOff x="0" y="0"/>
+          <a:chExt cx="0" cy="0"/>
+        </a:xfrm>
+      </p:grpSpPr>
+      <p:sp>
+        <p:nvSpPr>
+          <p:cNvPr id="2" name="Espace réservé de l'image des diapositives 1"/>
+          <p:cNvSpPr>
+            <a:spLocks noGrp="1" noRot="1" noChangeAspect="1"/>
+          </p:cNvSpPr>
+          <p:nvPr>
+            <p:ph type="sldImg"/>
+          </p:nvPr>
+        </p:nvSpPr>
+        <p:spPr/>
+      </p:sp>
+      <p:sp>
+        <p:nvSpPr>
+          <p:cNvPr id="3" name="Espace réservé des notes 2"/>
+          <p:cNvSpPr>
+            <a:spLocks noGrp="1"/>
+          </p:cNvSpPr>
+          <p:nvPr>
+            <p:ph type="body" idx="1"/>
+          </p:nvPr>
+        </p:nvSpPr>
+        <p:spPr/>
+        <p:txBody>
+          <a:bodyPr/>
+          <a:lstStyle/>
+          <a:p>
+            <a:endParaRPr lang="fr-FR"/>
+          </a:p>
+        </p:txBody>
+      </p:sp>
+      <p:sp>
+        <p:nvSpPr>
+          <p:cNvPr id="4" name="Espace réservé du numéro de diapositive 3"/>
+          <p:cNvSpPr>
+            <a:spLocks noGrp="1"/>
+          </p:cNvSpPr>
+          <p:nvPr>
+            <p:ph type="sldNum" sz="quarter" idx="5"/>
+          </p:nvPr>
+        </p:nvSpPr>
+        <p:spPr/>
+        <p:txBody>
+          <a:bodyPr/>
+          <a:lstStyle/>
+          <a:p>
+            <a:fld id="{AEDBE898-C82D-493C-BD2B-FABFF5D14D4F}" type="slidenum">
+              <a:rPr lang="fr-FR" smtClean="0"/>
+              <a:t>4</a:t>
+            </a:fld>
+            <a:endParaRPr lang="fr-FR"/>
+          </a:p>
+        </p:txBody>
+      </p:sp>
+    </p:spTree>
+    <p:extLst>
+      <p:ext uri="{BB962C8B-B14F-4D97-AF65-F5344CB8AC3E}">
+        <p14:creationId xmlns:p14="http://schemas.microsoft.com/office/powerpoint/2010/main" val="2214816937"/>
+      </p:ext>
+    </p:extLst>
+  </p:cSld>
+  <p:clrMapOvr>
+    <a:masterClrMapping/>
+  </p:clrMapOvr>
+</p:notes>
+</file>
+
+<file path=ppt/notesSlides/notesSlide4.xml><?xml version="1.0" encoding="utf-8"?>
+<p:notes xmlns:a="http://schemas.openxmlformats.org/drawingml/2006/main" xmlns:r="http://schemas.openxmlformats.org/officeDocument/2006/relationships" xmlns:p="http://schemas.openxmlformats.org/presentationml/2006/main">
+  <p:cSld>
+    <p:spTree>
+      <p:nvGrpSpPr>
+        <p:cNvPr id="1" name=""/>
+        <p:cNvGrpSpPr/>
+        <p:nvPr/>
+      </p:nvGrpSpPr>
+      <p:grpSpPr>
+        <a:xfrm>
+          <a:off x="0" y="0"/>
+          <a:ext cx="0" cy="0"/>
+          <a:chOff x="0" y="0"/>
+          <a:chExt cx="0" cy="0"/>
+        </a:xfrm>
+      </p:grpSpPr>
+      <p:sp>
+        <p:nvSpPr>
+          <p:cNvPr id="2" name="Espace réservé de l'image des diapositives 1"/>
+          <p:cNvSpPr>
+            <a:spLocks noGrp="1" noRot="1" noChangeAspect="1"/>
+          </p:cNvSpPr>
+          <p:nvPr>
+            <p:ph type="sldImg"/>
+          </p:nvPr>
+        </p:nvSpPr>
+        <p:spPr/>
+      </p:sp>
+      <p:sp>
+        <p:nvSpPr>
+          <p:cNvPr id="3" name="Espace réservé des notes 2"/>
+          <p:cNvSpPr>
+            <a:spLocks noGrp="1"/>
+          </p:cNvSpPr>
+          <p:nvPr>
+            <p:ph type="body" idx="1"/>
+          </p:nvPr>
+        </p:nvSpPr>
+        <p:spPr/>
+        <p:txBody>
+          <a:bodyPr/>
+          <a:lstStyle/>
+          <a:p>
+            <a:endParaRPr lang="fr-FR"/>
+          </a:p>
+        </p:txBody>
+      </p:sp>
+      <p:sp>
+        <p:nvSpPr>
+          <p:cNvPr id="4" name="Espace réservé du numéro de diapositive 3"/>
+          <p:cNvSpPr>
+            <a:spLocks noGrp="1"/>
+          </p:cNvSpPr>
+          <p:nvPr>
+            <p:ph type="sldNum" sz="quarter" idx="5"/>
+          </p:nvPr>
+        </p:nvSpPr>
+        <p:spPr/>
+        <p:txBody>
+          <a:bodyPr/>
+          <a:lstStyle/>
+          <a:p>
+            <a:fld id="{AEDBE898-C82D-493C-BD2B-FABFF5D14D4F}" type="slidenum">
+              <a:rPr lang="fr-FR" smtClean="0"/>
+              <a:t>6</a:t>
+            </a:fld>
+            <a:endParaRPr lang="fr-FR"/>
+          </a:p>
+        </p:txBody>
+      </p:sp>
+    </p:spTree>
+    <p:extLst>
+      <p:ext uri="{BB962C8B-B14F-4D97-AF65-F5344CB8AC3E}">
+        <p14:creationId xmlns:p14="http://schemas.microsoft.com/office/powerpoint/2010/main" val="988058909"/>
+      </p:ext>
+    </p:extLst>
+  </p:cSld>
+  <p:clrMapOvr>
+    <a:masterClrMapping/>
+  </p:clrMapOvr>
+</p:notes>
+</file>
+
+<file path=ppt/notesSlides/notesSlide5.xml><?xml version="1.0" encoding="utf-8"?>
+<p:notes xmlns:a="http://schemas.openxmlformats.org/drawingml/2006/main" xmlns:r="http://schemas.openxmlformats.org/officeDocument/2006/relationships" xmlns:p="http://schemas.openxmlformats.org/presentationml/2006/main">
+  <p:cSld>
+    <p:spTree>
+      <p:nvGrpSpPr>
+        <p:cNvPr id="1" name=""/>
+        <p:cNvGrpSpPr/>
+        <p:nvPr/>
+      </p:nvGrpSpPr>
+      <p:grpSpPr>
+        <a:xfrm>
+          <a:off x="0" y="0"/>
+          <a:ext cx="0" cy="0"/>
+          <a:chOff x="0" y="0"/>
+          <a:chExt cx="0" cy="0"/>
+        </a:xfrm>
+      </p:grpSpPr>
+      <p:sp>
+        <p:nvSpPr>
+          <p:cNvPr id="2" name="Espace réservé de l'image des diapositives 1"/>
+          <p:cNvSpPr>
+            <a:spLocks noGrp="1" noRot="1" noChangeAspect="1"/>
+          </p:cNvSpPr>
+          <p:nvPr>
+            <p:ph type="sldImg"/>
+          </p:nvPr>
+        </p:nvSpPr>
+        <p:spPr/>
+      </p:sp>
+      <p:sp>
+        <p:nvSpPr>
+          <p:cNvPr id="3" name="Espace réservé des notes 2"/>
+          <p:cNvSpPr>
+            <a:spLocks noGrp="1"/>
+          </p:cNvSpPr>
+          <p:nvPr>
+            <p:ph type="body" idx="1"/>
+          </p:nvPr>
+        </p:nvSpPr>
+        <p:spPr/>
+        <p:txBody>
+          <a:bodyPr/>
+          <a:lstStyle/>
+          <a:p>
+            <a:endParaRPr lang="fr-FR"/>
+          </a:p>
+        </p:txBody>
+      </p:sp>
+      <p:sp>
+        <p:nvSpPr>
+          <p:cNvPr id="4" name="Espace réservé du numéro de diapositive 3"/>
+          <p:cNvSpPr>
+            <a:spLocks noGrp="1"/>
+          </p:cNvSpPr>
+          <p:nvPr>
+            <p:ph type="sldNum" sz="quarter" idx="5"/>
+          </p:nvPr>
+        </p:nvSpPr>
+        <p:spPr/>
+        <p:txBody>
+          <a:bodyPr/>
+          <a:lstStyle/>
+          <a:p>
+            <a:fld id="{AEDBE898-C82D-493C-BD2B-FABFF5D14D4F}" type="slidenum">
+              <a:rPr lang="fr-FR" smtClean="0"/>
+              <a:t>7</a:t>
+            </a:fld>
+            <a:endParaRPr lang="fr-FR"/>
+          </a:p>
+        </p:txBody>
+      </p:sp>
+    </p:spTree>
+    <p:extLst>
+      <p:ext uri="{BB962C8B-B14F-4D97-AF65-F5344CB8AC3E}">
+        <p14:creationId xmlns:p14="http://schemas.microsoft.com/office/powerpoint/2010/main" val="1678422009"/>
+      </p:ext>
+    </p:extLst>
+  </p:cSld>
+  <p:clrMapOvr>
+    <a:masterClrMapping/>
+  </p:clrMapOvr>
+</p:notes>
+</file>
+
+<file path=ppt/notesSlides/notesSlide6.xml><?xml version="1.0" encoding="utf-8"?>
+<p:notes xmlns:a="http://schemas.openxmlformats.org/drawingml/2006/main" xmlns:r="http://schemas.openxmlformats.org/officeDocument/2006/relationships" xmlns:p="http://schemas.openxmlformats.org/presentationml/2006/main">
+  <p:cSld>
+    <p:spTree>
+      <p:nvGrpSpPr>
+        <p:cNvPr id="1" name=""/>
+        <p:cNvGrpSpPr/>
+        <p:nvPr/>
+      </p:nvGrpSpPr>
+      <p:grpSpPr>
+        <a:xfrm>
+          <a:off x="0" y="0"/>
+          <a:ext cx="0" cy="0"/>
+          <a:chOff x="0" y="0"/>
+          <a:chExt cx="0" cy="0"/>
+        </a:xfrm>
+      </p:grpSpPr>
+      <p:sp>
+        <p:nvSpPr>
+          <p:cNvPr id="2" name="Espace réservé de l'image des diapositives 1"/>
+          <p:cNvSpPr>
+            <a:spLocks noGrp="1" noRot="1" noChangeAspect="1"/>
+          </p:cNvSpPr>
+          <p:nvPr>
+            <p:ph type="sldImg"/>
+          </p:nvPr>
+        </p:nvSpPr>
+        <p:spPr/>
+      </p:sp>
+      <p:sp>
+        <p:nvSpPr>
+          <p:cNvPr id="3" name="Espace réservé des notes 2"/>
+          <p:cNvSpPr>
+            <a:spLocks noGrp="1"/>
+          </p:cNvSpPr>
+          <p:nvPr>
+            <p:ph type="body" idx="1"/>
+          </p:nvPr>
+        </p:nvSpPr>
+        <p:spPr/>
+        <p:txBody>
+          <a:bodyPr/>
+          <a:lstStyle/>
+          <a:p>
+            <a:endParaRPr lang="fr-FR"/>
+          </a:p>
+        </p:txBody>
+      </p:sp>
+      <p:sp>
+        <p:nvSpPr>
+          <p:cNvPr id="4" name="Espace réservé du numéro de diapositive 3"/>
+          <p:cNvSpPr>
+            <a:spLocks noGrp="1"/>
+          </p:cNvSpPr>
+          <p:nvPr>
+            <p:ph type="sldNum" sz="quarter" idx="5"/>
+          </p:nvPr>
+        </p:nvSpPr>
+        <p:spPr/>
+        <p:txBody>
+          <a:bodyPr/>
+          <a:lstStyle/>
+          <a:p>
+            <a:fld id="{AEDBE898-C82D-493C-BD2B-FABFF5D14D4F}" type="slidenum">
+              <a:rPr lang="fr-FR" smtClean="0"/>
+              <a:t>8</a:t>
+            </a:fld>
+            <a:endParaRPr lang="fr-FR"/>
+          </a:p>
+        </p:txBody>
+      </p:sp>
+    </p:spTree>
+    <p:extLst>
+      <p:ext uri="{BB962C8B-B14F-4D97-AF65-F5344CB8AC3E}">
+        <p14:creationId xmlns:p14="http://schemas.microsoft.com/office/powerpoint/2010/main" val="2370573129"/>
+      </p:ext>
+    </p:extLst>
+  </p:cSld>
+  <p:clrMapOvr>
+    <a:masterClrMapping/>
+  </p:clrMapOvr>
+</p:notes>
+</file>
+
+<file path=ppt/notesSlides/notesSlide7.xml><?xml version="1.0" encoding="utf-8"?>
+<p:notes xmlns:a="http://schemas.openxmlformats.org/drawingml/2006/main" xmlns:r="http://schemas.openxmlformats.org/officeDocument/2006/relationships" xmlns:p="http://schemas.openxmlformats.org/presentationml/2006/main">
+  <p:cSld>
+    <p:spTree>
+      <p:nvGrpSpPr>
+        <p:cNvPr id="1" name=""/>
+        <p:cNvGrpSpPr/>
+        <p:nvPr/>
+      </p:nvGrpSpPr>
+      <p:grpSpPr>
+        <a:xfrm>
+          <a:off x="0" y="0"/>
+          <a:ext cx="0" cy="0"/>
+          <a:chOff x="0" y="0"/>
+          <a:chExt cx="0" cy="0"/>
+        </a:xfrm>
+      </p:grpSpPr>
+      <p:sp>
+        <p:nvSpPr>
+          <p:cNvPr id="2" name="Espace réservé de l'image des diapositives 1"/>
+          <p:cNvSpPr>
+            <a:spLocks noGrp="1" noRot="1" noChangeAspect="1"/>
+          </p:cNvSpPr>
+          <p:nvPr>
+            <p:ph type="sldImg"/>
+          </p:nvPr>
+        </p:nvSpPr>
+        <p:spPr/>
+      </p:sp>
+      <p:sp>
+        <p:nvSpPr>
+          <p:cNvPr id="3" name="Espace réservé des notes 2"/>
+          <p:cNvSpPr>
+            <a:spLocks noGrp="1"/>
+          </p:cNvSpPr>
+          <p:nvPr>
+            <p:ph type="body" idx="1"/>
+          </p:nvPr>
+        </p:nvSpPr>
+        <p:spPr/>
+        <p:txBody>
+          <a:bodyPr/>
+          <a:lstStyle/>
+          <a:p>
+            <a:endParaRPr lang="fr-FR"/>
+          </a:p>
+        </p:txBody>
+      </p:sp>
+      <p:sp>
+        <p:nvSpPr>
+          <p:cNvPr id="4" name="Espace réservé du numéro de diapositive 3"/>
+          <p:cNvSpPr>
+            <a:spLocks noGrp="1"/>
+          </p:cNvSpPr>
+          <p:nvPr>
+            <p:ph type="sldNum" sz="quarter" idx="5"/>
+          </p:nvPr>
+        </p:nvSpPr>
+        <p:spPr/>
+        <p:txBody>
+          <a:bodyPr/>
+          <a:lstStyle/>
+          <a:p>
+            <a:fld id="{AEDBE898-C82D-493C-BD2B-FABFF5D14D4F}" type="slidenum">
+              <a:rPr lang="fr-FR" smtClean="0"/>
+              <a:t>9</a:t>
+            </a:fld>
+            <a:endParaRPr lang="fr-FR"/>
+          </a:p>
+        </p:txBody>
+      </p:sp>
+    </p:spTree>
+    <p:extLst>
+      <p:ext uri="{BB962C8B-B14F-4D97-AF65-F5344CB8AC3E}">
+        <p14:creationId xmlns:p14="http://schemas.microsoft.com/office/powerpoint/2010/main" val="397511952"/>
+      </p:ext>
+    </p:extLst>
+  </p:cSld>
+  <p:clrMapOvr>
+    <a:masterClrMapping/>
+  </p:clrMapOvr>
+</p:notes>
+</file>
+
+<file path=ppt/notesSlides/notesSlide8.xml><?xml version="1.0" encoding="utf-8"?>
+<p:notes xmlns:a="http://schemas.openxmlformats.org/drawingml/2006/main" xmlns:r="http://schemas.openxmlformats.org/officeDocument/2006/relationships" xmlns:p="http://schemas.openxmlformats.org/presentationml/2006/main">
+  <p:cSld>
+    <p:spTree>
+      <p:nvGrpSpPr>
+        <p:cNvPr id="1" name=""/>
+        <p:cNvGrpSpPr/>
+        <p:nvPr/>
+      </p:nvGrpSpPr>
+      <p:grpSpPr>
+        <a:xfrm>
+          <a:off x="0" y="0"/>
+          <a:ext cx="0" cy="0"/>
+          <a:chOff x="0" y="0"/>
+          <a:chExt cx="0" cy="0"/>
+        </a:xfrm>
+      </p:grpSpPr>
+      <p:sp>
+        <p:nvSpPr>
+          <p:cNvPr id="2" name="Espace réservé de l'image des diapositives 1"/>
+          <p:cNvSpPr>
+            <a:spLocks noGrp="1" noRot="1" noChangeAspect="1"/>
+          </p:cNvSpPr>
+          <p:nvPr>
+            <p:ph type="sldImg"/>
+          </p:nvPr>
+        </p:nvSpPr>
+        <p:spPr/>
+      </p:sp>
+      <p:sp>
+        <p:nvSpPr>
+          <p:cNvPr id="3" name="Espace réservé des notes 2"/>
+          <p:cNvSpPr>
+            <a:spLocks noGrp="1"/>
+          </p:cNvSpPr>
+          <p:nvPr>
+            <p:ph type="body" idx="1"/>
+          </p:nvPr>
+        </p:nvSpPr>
+        <p:spPr/>
+        <p:txBody>
+          <a:bodyPr/>
+          <a:lstStyle/>
+          <a:p>
+            <a:endParaRPr lang="fr-FR"/>
+          </a:p>
+        </p:txBody>
+      </p:sp>
+      <p:sp>
+        <p:nvSpPr>
+          <p:cNvPr id="4" name="Espace réservé du numéro de diapositive 3"/>
+          <p:cNvSpPr>
+            <a:spLocks noGrp="1"/>
+          </p:cNvSpPr>
+          <p:nvPr>
+            <p:ph type="sldNum" sz="quarter" idx="5"/>
+          </p:nvPr>
+        </p:nvSpPr>
+        <p:spPr/>
+        <p:txBody>
+          <a:bodyPr/>
+          <a:lstStyle/>
+          <a:p>
+            <a:fld id="{AEDBE898-C82D-493C-BD2B-FABFF5D14D4F}" type="slidenum">
+              <a:rPr lang="fr-FR" smtClean="0"/>
+              <a:t>10</a:t>
+            </a:fld>
+            <a:endParaRPr lang="fr-FR"/>
+          </a:p>
+        </p:txBody>
+      </p:sp>
+    </p:spTree>
+    <p:extLst>
+      <p:ext uri="{BB962C8B-B14F-4D97-AF65-F5344CB8AC3E}">
+        <p14:creationId xmlns:p14="http://schemas.microsoft.com/office/powerpoint/2010/main" val="3555203100"/>
+      </p:ext>
+    </p:extLst>
+  </p:cSld>
+  <p:clrMapOvr>
+    <a:masterClrMapping/>
+  </p:clrMapOvr>
+</p:notes>
+</file>
+
+<file path=ppt/notesSlides/notesSlide9.xml><?xml version="1.0" encoding="utf-8"?>
+<p:notes xmlns:a="http://schemas.openxmlformats.org/drawingml/2006/main" xmlns:r="http://schemas.openxmlformats.org/officeDocument/2006/relationships" xmlns:p="http://schemas.openxmlformats.org/presentationml/2006/main">
+  <p:cSld>
+    <p:spTree>
+      <p:nvGrpSpPr>
+        <p:cNvPr id="1" name=""/>
+        <p:cNvGrpSpPr/>
+        <p:nvPr/>
+      </p:nvGrpSpPr>
+      <p:grpSpPr>
+        <a:xfrm>
+          <a:off x="0" y="0"/>
+          <a:ext cx="0" cy="0"/>
+          <a:chOff x="0" y="0"/>
+          <a:chExt cx="0" cy="0"/>
+        </a:xfrm>
+      </p:grpSpPr>
+      <p:sp>
+        <p:nvSpPr>
+          <p:cNvPr id="2" name="Espace réservé de l'image des diapositives 1"/>
+          <p:cNvSpPr>
+            <a:spLocks noGrp="1" noRot="1" noChangeAspect="1"/>
+          </p:cNvSpPr>
+          <p:nvPr>
+            <p:ph type="sldImg"/>
+          </p:nvPr>
+        </p:nvSpPr>
+        <p:spPr/>
+      </p:sp>
+      <p:sp>
+        <p:nvSpPr>
+          <p:cNvPr id="3" name="Espace réservé des notes 2"/>
+          <p:cNvSpPr>
+            <a:spLocks noGrp="1"/>
+          </p:cNvSpPr>
+          <p:nvPr>
+            <p:ph type="body" idx="1"/>
+          </p:nvPr>
+        </p:nvSpPr>
+        <p:spPr/>
+        <p:txBody>
+          <a:bodyPr/>
+          <a:lstStyle/>
+          <a:p>
+            <a:endParaRPr lang="fr-FR"/>
+          </a:p>
+        </p:txBody>
+      </p:sp>
+      <p:sp>
+        <p:nvSpPr>
+          <p:cNvPr id="4" name="Espace réservé du numéro de diapositive 3"/>
+          <p:cNvSpPr>
+            <a:spLocks noGrp="1"/>
+          </p:cNvSpPr>
+          <p:nvPr>
+            <p:ph type="sldNum" sz="quarter" idx="5"/>
+          </p:nvPr>
+        </p:nvSpPr>
+        <p:spPr/>
+        <p:txBody>
+          <a:bodyPr/>
+          <a:lstStyle/>
+          <a:p>
+            <a:fld id="{AEDBE898-C82D-493C-BD2B-FABFF5D14D4F}" type="slidenum">
+              <a:rPr lang="fr-FR" smtClean="0"/>
+              <a:t>11</a:t>
+            </a:fld>
+            <a:endParaRPr lang="fr-FR"/>
+          </a:p>
+        </p:txBody>
+      </p:sp>
+    </p:spTree>
+    <p:extLst>
+      <p:ext uri="{BB962C8B-B14F-4D97-AF65-F5344CB8AC3E}">
+        <p14:creationId xmlns:p14="http://schemas.microsoft.com/office/powerpoint/2010/main" val="2096264116"/>
+      </p:ext>
+    </p:extLst>
+  </p:cSld>
+  <p:clrMapOvr>
+    <a:masterClrMapping/>
+  </p:clrMapOvr>
+</p:notes>
 </file>
 
 <file path=ppt/slideLayouts/slideLayout1.xml><?xml version="1.0" encoding="utf-8"?>
@@ -155,10 +1279,9 @@
           <a:lstStyle/>
           <a:p>
             <a:r>
-              <a:rPr lang="fr-FR" smtClean="0"/>
+              <a:rPr lang="fr-FR"/>
               <a:t>Cliquez pour modifier le style du titre</a:t>
             </a:r>
-            <a:endParaRPr lang="fr-FR"/>
           </a:p>
         </p:txBody>
       </p:sp>
@@ -274,10 +1397,9 @@
           </a:lstStyle>
           <a:p>
             <a:r>
-              <a:rPr lang="fr-FR" smtClean="0"/>
+              <a:rPr lang="fr-FR"/>
               <a:t>Cliquez pour modifier le style des sous-titres du masque</a:t>
             </a:r>
-            <a:endParaRPr lang="fr-FR"/>
           </a:p>
         </p:txBody>
       </p:sp>
@@ -298,7 +1420,7 @@
           <a:p>
             <a:fld id="{3D44A1BE-B171-4E78-9176-67CA37002369}" type="datetimeFigureOut">
               <a:rPr lang="fr-FR" smtClean="0"/>
-              <a:t>28/10/2014</a:t>
+              <a:t>21/05/2023</a:t>
             </a:fld>
             <a:endParaRPr lang="fr-FR"/>
           </a:p>
@@ -387,10 +1509,9 @@
           <a:lstStyle/>
           <a:p>
             <a:r>
-              <a:rPr lang="fr-FR" smtClean="0"/>
+              <a:rPr lang="fr-FR"/>
               <a:t>Cliquez pour modifier le style du titre</a:t>
             </a:r>
-            <a:endParaRPr lang="fr-FR"/>
           </a:p>
         </p:txBody>
       </p:sp>
@@ -411,38 +1532,37 @@
           <a:p>
             <a:pPr lvl="0"/>
             <a:r>
-              <a:rPr lang="fr-FR" smtClean="0"/>
+              <a:rPr lang="fr-FR"/>
               <a:t>Cliquez pour modifier les styles du texte du masque</a:t>
             </a:r>
           </a:p>
           <a:p>
             <a:pPr lvl="1"/>
             <a:r>
-              <a:rPr lang="fr-FR" smtClean="0"/>
+              <a:rPr lang="fr-FR"/>
               <a:t>Deuxième niveau</a:t>
             </a:r>
           </a:p>
           <a:p>
             <a:pPr lvl="2"/>
             <a:r>
-              <a:rPr lang="fr-FR" smtClean="0"/>
+              <a:rPr lang="fr-FR"/>
               <a:t>Troisième niveau</a:t>
             </a:r>
           </a:p>
           <a:p>
             <a:pPr lvl="3"/>
             <a:r>
-              <a:rPr lang="fr-FR" smtClean="0"/>
+              <a:rPr lang="fr-FR"/>
               <a:t>Quatrième niveau</a:t>
             </a:r>
           </a:p>
           <a:p>
             <a:pPr lvl="4"/>
             <a:r>
-              <a:rPr lang="fr-FR" smtClean="0"/>
+              <a:rPr lang="fr-FR"/>
               <a:t>Cinquième niveau</a:t>
             </a:r>
-            <a:endParaRPr lang="fr-FR"/>
           </a:p>
         </p:txBody>
       </p:sp>
@@ -463,7 +1583,7 @@
           <a:p>
             <a:fld id="{3D44A1BE-B171-4E78-9176-67CA37002369}" type="datetimeFigureOut">
               <a:rPr lang="fr-FR" smtClean="0"/>
-              <a:t>28/10/2014</a:t>
+              <a:t>21/05/2023</a:t>
             </a:fld>
             <a:endParaRPr lang="fr-FR"/>
           </a:p>
@@ -557,10 +1677,9 @@
           <a:lstStyle/>
           <a:p>
             <a:r>
-              <a:rPr lang="fr-FR" smtClean="0"/>
+              <a:rPr lang="fr-FR"/>
               <a:t>Cliquez pour modifier le style du titre</a:t>
             </a:r>
-            <a:endParaRPr lang="fr-FR"/>
           </a:p>
         </p:txBody>
       </p:sp>
@@ -586,38 +1705,37 @@
           <a:p>
             <a:pPr lvl="0"/>
             <a:r>
-              <a:rPr lang="fr-FR" smtClean="0"/>
+              <a:rPr lang="fr-FR"/>
               <a:t>Cliquez pour modifier les styles du texte du masque</a:t>
             </a:r>
           </a:p>
           <a:p>
             <a:pPr lvl="1"/>
             <a:r>
-              <a:rPr lang="fr-FR" smtClean="0"/>
+              <a:rPr lang="fr-FR"/>
               <a:t>Deuxième niveau</a:t>
             </a:r>
           </a:p>
           <a:p>
             <a:pPr lvl="2"/>
             <a:r>
-              <a:rPr lang="fr-FR" smtClean="0"/>
+              <a:rPr lang="fr-FR"/>
               <a:t>Troisième niveau</a:t>
             </a:r>
           </a:p>
           <a:p>
             <a:pPr lvl="3"/>
             <a:r>
-              <a:rPr lang="fr-FR" smtClean="0"/>
+              <a:rPr lang="fr-FR"/>
               <a:t>Quatrième niveau</a:t>
             </a:r>
           </a:p>
           <a:p>
             <a:pPr lvl="4"/>
             <a:r>
-              <a:rPr lang="fr-FR" smtClean="0"/>
+              <a:rPr lang="fr-FR"/>
               <a:t>Cinquième niveau</a:t>
             </a:r>
-            <a:endParaRPr lang="fr-FR"/>
           </a:p>
         </p:txBody>
       </p:sp>
@@ -638,7 +1756,7 @@
           <a:p>
             <a:fld id="{3D44A1BE-B171-4E78-9176-67CA37002369}" type="datetimeFigureOut">
               <a:rPr lang="fr-FR" smtClean="0"/>
-              <a:t>28/10/2014</a:t>
+              <a:t>21/05/2023</a:t>
             </a:fld>
             <a:endParaRPr lang="fr-FR"/>
           </a:p>
@@ -727,10 +1845,9 @@
           <a:lstStyle/>
           <a:p>
             <a:r>
-              <a:rPr lang="fr-FR" smtClean="0"/>
+              <a:rPr lang="fr-FR"/>
               <a:t>Cliquez pour modifier le style du titre</a:t>
             </a:r>
-            <a:endParaRPr lang="fr-FR"/>
           </a:p>
         </p:txBody>
       </p:sp>
@@ -751,38 +1868,37 @@
           <a:p>
             <a:pPr lvl="0"/>
             <a:r>
-              <a:rPr lang="fr-FR" smtClean="0"/>
+              <a:rPr lang="fr-FR"/>
               <a:t>Cliquez pour modifier les styles du texte du masque</a:t>
             </a:r>
           </a:p>
           <a:p>
             <a:pPr lvl="1"/>
             <a:r>
-              <a:rPr lang="fr-FR" smtClean="0"/>
+              <a:rPr lang="fr-FR"/>
               <a:t>Deuxième niveau</a:t>
             </a:r>
           </a:p>
           <a:p>
             <a:pPr lvl="2"/>
             <a:r>
-              <a:rPr lang="fr-FR" smtClean="0"/>
+              <a:rPr lang="fr-FR"/>
               <a:t>Troisième niveau</a:t>
             </a:r>
           </a:p>
           <a:p>
             <a:pPr lvl="3"/>
             <a:r>
-              <a:rPr lang="fr-FR" smtClean="0"/>
+              <a:rPr lang="fr-FR"/>
               <a:t>Quatrième niveau</a:t>
             </a:r>
           </a:p>
           <a:p>
             <a:pPr lvl="4"/>
             <a:r>
-              <a:rPr lang="fr-FR" smtClean="0"/>
+              <a:rPr lang="fr-FR"/>
               <a:t>Cinquième niveau</a:t>
             </a:r>
-            <a:endParaRPr lang="fr-FR"/>
           </a:p>
         </p:txBody>
       </p:sp>
@@ -803,7 +1919,7 @@
           <a:p>
             <a:fld id="{3D44A1BE-B171-4E78-9176-67CA37002369}" type="datetimeFigureOut">
               <a:rPr lang="fr-FR" smtClean="0"/>
-              <a:t>28/10/2014</a:t>
+              <a:t>21/05/2023</a:t>
             </a:fld>
             <a:endParaRPr lang="fr-FR"/>
           </a:p>
@@ -901,10 +2017,9 @@
           </a:lstStyle>
           <a:p>
             <a:r>
-              <a:rPr lang="fr-FR" smtClean="0"/>
+              <a:rPr lang="fr-FR"/>
               <a:t>Cliquez pour modifier le style du titre</a:t>
             </a:r>
-            <a:endParaRPr lang="fr-FR"/>
           </a:p>
         </p:txBody>
       </p:sp>
@@ -1021,7 +2136,7 @@
           <a:p>
             <a:pPr lvl="0"/>
             <a:r>
-              <a:rPr lang="fr-FR" smtClean="0"/>
+              <a:rPr lang="fr-FR"/>
               <a:t>Cliquez pour modifier les styles du texte du masque</a:t>
             </a:r>
           </a:p>
@@ -1044,7 +2159,7 @@
           <a:p>
             <a:fld id="{3D44A1BE-B171-4E78-9176-67CA37002369}" type="datetimeFigureOut">
               <a:rPr lang="fr-FR" smtClean="0"/>
-              <a:t>28/10/2014</a:t>
+              <a:t>21/05/2023</a:t>
             </a:fld>
             <a:endParaRPr lang="fr-FR"/>
           </a:p>
@@ -1133,10 +2248,9 @@
           <a:lstStyle/>
           <a:p>
             <a:r>
-              <a:rPr lang="fr-FR" smtClean="0"/>
+              <a:rPr lang="fr-FR"/>
               <a:t>Cliquez pour modifier le style du titre</a:t>
             </a:r>
-            <a:endParaRPr lang="fr-FR"/>
           </a:p>
         </p:txBody>
       </p:sp>
@@ -1190,38 +2304,37 @@
           <a:p>
             <a:pPr lvl="0"/>
             <a:r>
-              <a:rPr lang="fr-FR" smtClean="0"/>
+              <a:rPr lang="fr-FR"/>
               <a:t>Cliquez pour modifier les styles du texte du masque</a:t>
             </a:r>
           </a:p>
           <a:p>
             <a:pPr lvl="1"/>
             <a:r>
-              <a:rPr lang="fr-FR" smtClean="0"/>
+              <a:rPr lang="fr-FR"/>
               <a:t>Deuxième niveau</a:t>
             </a:r>
           </a:p>
           <a:p>
             <a:pPr lvl="2"/>
             <a:r>
-              <a:rPr lang="fr-FR" smtClean="0"/>
+              <a:rPr lang="fr-FR"/>
               <a:t>Troisième niveau</a:t>
             </a:r>
           </a:p>
           <a:p>
             <a:pPr lvl="3"/>
             <a:r>
-              <a:rPr lang="fr-FR" smtClean="0"/>
+              <a:rPr lang="fr-FR"/>
               <a:t>Quatrième niveau</a:t>
             </a:r>
           </a:p>
           <a:p>
             <a:pPr lvl="4"/>
             <a:r>
-              <a:rPr lang="fr-FR" smtClean="0"/>
+              <a:rPr lang="fr-FR"/>
               <a:t>Cinquième niveau</a:t>
             </a:r>
-            <a:endParaRPr lang="fr-FR"/>
           </a:p>
         </p:txBody>
       </p:sp>
@@ -1275,38 +2388,37 @@
           <a:p>
             <a:pPr lvl="0"/>
             <a:r>
-              <a:rPr lang="fr-FR" smtClean="0"/>
+              <a:rPr lang="fr-FR"/>
               <a:t>Cliquez pour modifier les styles du texte du masque</a:t>
             </a:r>
           </a:p>
           <a:p>
             <a:pPr lvl="1"/>
             <a:r>
-              <a:rPr lang="fr-FR" smtClean="0"/>
+              <a:rPr lang="fr-FR"/>
               <a:t>Deuxième niveau</a:t>
             </a:r>
           </a:p>
           <a:p>
             <a:pPr lvl="2"/>
             <a:r>
-              <a:rPr lang="fr-FR" smtClean="0"/>
+              <a:rPr lang="fr-FR"/>
               <a:t>Troisième niveau</a:t>
             </a:r>
           </a:p>
           <a:p>
             <a:pPr lvl="3"/>
             <a:r>
-              <a:rPr lang="fr-FR" smtClean="0"/>
+              <a:rPr lang="fr-FR"/>
               <a:t>Quatrième niveau</a:t>
             </a:r>
           </a:p>
           <a:p>
             <a:pPr lvl="4"/>
             <a:r>
-              <a:rPr lang="fr-FR" smtClean="0"/>
+              <a:rPr lang="fr-FR"/>
               <a:t>Cinquième niveau</a:t>
             </a:r>
-            <a:endParaRPr lang="fr-FR"/>
           </a:p>
         </p:txBody>
       </p:sp>
@@ -1327,7 +2439,7 @@
           <a:p>
             <a:fld id="{3D44A1BE-B171-4E78-9176-67CA37002369}" type="datetimeFigureOut">
               <a:rPr lang="fr-FR" smtClean="0"/>
-              <a:t>28/10/2014</a:t>
+              <a:t>21/05/2023</a:t>
             </a:fld>
             <a:endParaRPr lang="fr-FR"/>
           </a:p>
@@ -1420,10 +2532,9 @@
           </a:lstStyle>
           <a:p>
             <a:r>
-              <a:rPr lang="fr-FR" smtClean="0"/>
+              <a:rPr lang="fr-FR"/>
               <a:t>Cliquez pour modifier le style du titre</a:t>
             </a:r>
-            <a:endParaRPr lang="fr-FR"/>
           </a:p>
         </p:txBody>
       </p:sp>
@@ -1486,7 +2597,7 @@
           <a:p>
             <a:pPr lvl="0"/>
             <a:r>
-              <a:rPr lang="fr-FR" smtClean="0"/>
+              <a:rPr lang="fr-FR"/>
               <a:t>Cliquez pour modifier les styles du texte du masque</a:t>
             </a:r>
           </a:p>
@@ -1542,38 +2653,37 @@
           <a:p>
             <a:pPr lvl="0"/>
             <a:r>
-              <a:rPr lang="fr-FR" smtClean="0"/>
+              <a:rPr lang="fr-FR"/>
               <a:t>Cliquez pour modifier les styles du texte du masque</a:t>
             </a:r>
           </a:p>
           <a:p>
             <a:pPr lvl="1"/>
             <a:r>
-              <a:rPr lang="fr-FR" smtClean="0"/>
+              <a:rPr lang="fr-FR"/>
               <a:t>Deuxième niveau</a:t>
             </a:r>
           </a:p>
           <a:p>
             <a:pPr lvl="2"/>
             <a:r>
-              <a:rPr lang="fr-FR" smtClean="0"/>
+              <a:rPr lang="fr-FR"/>
               <a:t>Troisième niveau</a:t>
             </a:r>
           </a:p>
           <a:p>
             <a:pPr lvl="3"/>
             <a:r>
-              <a:rPr lang="fr-FR" smtClean="0"/>
+              <a:rPr lang="fr-FR"/>
               <a:t>Quatrième niveau</a:t>
             </a:r>
           </a:p>
           <a:p>
             <a:pPr lvl="4"/>
             <a:r>
-              <a:rPr lang="fr-FR" smtClean="0"/>
+              <a:rPr lang="fr-FR"/>
               <a:t>Cinquième niveau</a:t>
             </a:r>
-            <a:endParaRPr lang="fr-FR"/>
           </a:p>
         </p:txBody>
       </p:sp>
@@ -1636,7 +2746,7 @@
           <a:p>
             <a:pPr lvl="0"/>
             <a:r>
-              <a:rPr lang="fr-FR" smtClean="0"/>
+              <a:rPr lang="fr-FR"/>
               <a:t>Cliquez pour modifier les styles du texte du masque</a:t>
             </a:r>
           </a:p>
@@ -1692,38 +2802,37 @@
           <a:p>
             <a:pPr lvl="0"/>
             <a:r>
-              <a:rPr lang="fr-FR" smtClean="0"/>
+              <a:rPr lang="fr-FR"/>
               <a:t>Cliquez pour modifier les styles du texte du masque</a:t>
             </a:r>
           </a:p>
           <a:p>
             <a:pPr lvl="1"/>
             <a:r>
-              <a:rPr lang="fr-FR" smtClean="0"/>
+              <a:rPr lang="fr-FR"/>
               <a:t>Deuxième niveau</a:t>
             </a:r>
           </a:p>
           <a:p>
             <a:pPr lvl="2"/>
             <a:r>
-              <a:rPr lang="fr-FR" smtClean="0"/>
+              <a:rPr lang="fr-FR"/>
               <a:t>Troisième niveau</a:t>
             </a:r>
           </a:p>
           <a:p>
             <a:pPr lvl="3"/>
             <a:r>
-              <a:rPr lang="fr-FR" smtClean="0"/>
+              <a:rPr lang="fr-FR"/>
               <a:t>Quatrième niveau</a:t>
             </a:r>
           </a:p>
           <a:p>
             <a:pPr lvl="4"/>
             <a:r>
-              <a:rPr lang="fr-FR" smtClean="0"/>
+              <a:rPr lang="fr-FR"/>
               <a:t>Cinquième niveau</a:t>
             </a:r>
-            <a:endParaRPr lang="fr-FR"/>
           </a:p>
         </p:txBody>
       </p:sp>
@@ -1744,7 +2853,7 @@
           <a:p>
             <a:fld id="{3D44A1BE-B171-4E78-9176-67CA37002369}" type="datetimeFigureOut">
               <a:rPr lang="fr-FR" smtClean="0"/>
-              <a:t>28/10/2014</a:t>
+              <a:t>21/05/2023</a:t>
             </a:fld>
             <a:endParaRPr lang="fr-FR"/>
           </a:p>
@@ -1833,10 +2942,9 @@
           <a:lstStyle/>
           <a:p>
             <a:r>
-              <a:rPr lang="fr-FR" smtClean="0"/>
+              <a:rPr lang="fr-FR"/>
               <a:t>Cliquez pour modifier le style du titre</a:t>
             </a:r>
-            <a:endParaRPr lang="fr-FR"/>
           </a:p>
         </p:txBody>
       </p:sp>
@@ -1857,7 +2965,7 @@
           <a:p>
             <a:fld id="{3D44A1BE-B171-4E78-9176-67CA37002369}" type="datetimeFigureOut">
               <a:rPr lang="fr-FR" smtClean="0"/>
-              <a:t>28/10/2014</a:t>
+              <a:t>21/05/2023</a:t>
             </a:fld>
             <a:endParaRPr lang="fr-FR"/>
           </a:p>
@@ -1947,7 +3055,7 @@
           <a:p>
             <a:fld id="{3D44A1BE-B171-4E78-9176-67CA37002369}" type="datetimeFigureOut">
               <a:rPr lang="fr-FR" smtClean="0"/>
-              <a:t>28/10/2014</a:t>
+              <a:t>21/05/2023</a:t>
             </a:fld>
             <a:endParaRPr lang="fr-FR"/>
           </a:p>
@@ -2045,10 +3153,9 @@
           </a:lstStyle>
           <a:p>
             <a:r>
-              <a:rPr lang="fr-FR" smtClean="0"/>
+              <a:rPr lang="fr-FR"/>
               <a:t>Cliquez pour modifier le style du titre</a:t>
             </a:r>
-            <a:endParaRPr lang="fr-FR"/>
           </a:p>
         </p:txBody>
       </p:sp>
@@ -2102,38 +3209,37 @@
           <a:p>
             <a:pPr lvl="0"/>
             <a:r>
-              <a:rPr lang="fr-FR" smtClean="0"/>
+              <a:rPr lang="fr-FR"/>
               <a:t>Cliquez pour modifier les styles du texte du masque</a:t>
             </a:r>
           </a:p>
           <a:p>
             <a:pPr lvl="1"/>
             <a:r>
-              <a:rPr lang="fr-FR" smtClean="0"/>
+              <a:rPr lang="fr-FR"/>
               <a:t>Deuxième niveau</a:t>
             </a:r>
           </a:p>
           <a:p>
             <a:pPr lvl="2"/>
             <a:r>
-              <a:rPr lang="fr-FR" smtClean="0"/>
+              <a:rPr lang="fr-FR"/>
               <a:t>Troisième niveau</a:t>
             </a:r>
           </a:p>
           <a:p>
             <a:pPr lvl="3"/>
             <a:r>
-              <a:rPr lang="fr-FR" smtClean="0"/>
+              <a:rPr lang="fr-FR"/>
               <a:t>Quatrième niveau</a:t>
             </a:r>
           </a:p>
           <a:p>
             <a:pPr lvl="4"/>
             <a:r>
-              <a:rPr lang="fr-FR" smtClean="0"/>
+              <a:rPr lang="fr-FR"/>
               <a:t>Cinquième niveau</a:t>
             </a:r>
-            <a:endParaRPr lang="fr-FR"/>
           </a:p>
         </p:txBody>
       </p:sp>
@@ -2196,7 +3302,7 @@
           <a:p>
             <a:pPr lvl="0"/>
             <a:r>
-              <a:rPr lang="fr-FR" smtClean="0"/>
+              <a:rPr lang="fr-FR"/>
               <a:t>Cliquez pour modifier les styles du texte du masque</a:t>
             </a:r>
           </a:p>
@@ -2219,7 +3325,7 @@
           <a:p>
             <a:fld id="{3D44A1BE-B171-4E78-9176-67CA37002369}" type="datetimeFigureOut">
               <a:rPr lang="fr-FR" smtClean="0"/>
-              <a:t>28/10/2014</a:t>
+              <a:t>21/05/2023</a:t>
             </a:fld>
             <a:endParaRPr lang="fr-FR"/>
           </a:p>
@@ -2317,10 +3423,9 @@
           </a:lstStyle>
           <a:p>
             <a:r>
-              <a:rPr lang="fr-FR" smtClean="0"/>
+              <a:rPr lang="fr-FR"/>
               <a:t>Cliquez pour modifier le style du titre</a:t>
             </a:r>
-            <a:endParaRPr lang="fr-FR"/>
           </a:p>
         </p:txBody>
       </p:sp>
@@ -2444,7 +3549,7 @@
           <a:p>
             <a:pPr lvl="0"/>
             <a:r>
-              <a:rPr lang="fr-FR" smtClean="0"/>
+              <a:rPr lang="fr-FR"/>
               <a:t>Cliquez pour modifier les styles du texte du masque</a:t>
             </a:r>
           </a:p>
@@ -2467,7 +3572,7 @@
           <a:p>
             <a:fld id="{3D44A1BE-B171-4E78-9176-67CA37002369}" type="datetimeFigureOut">
               <a:rPr lang="fr-FR" smtClean="0"/>
-              <a:t>28/10/2014</a:t>
+              <a:t>21/05/2023</a:t>
             </a:fld>
             <a:endParaRPr lang="fr-FR"/>
           </a:p>
@@ -2571,10 +3676,9 @@
           <a:lstStyle/>
           <a:p>
             <a:r>
-              <a:rPr lang="fr-FR" smtClean="0"/>
+              <a:rPr lang="fr-FR"/>
               <a:t>Cliquez pour modifier le style du titre</a:t>
             </a:r>
-            <a:endParaRPr lang="fr-FR"/>
           </a:p>
         </p:txBody>
       </p:sp>
@@ -2605,38 +3709,37 @@
           <a:p>
             <a:pPr lvl="0"/>
             <a:r>
-              <a:rPr lang="fr-FR" smtClean="0"/>
+              <a:rPr lang="fr-FR"/>
               <a:t>Cliquez pour modifier les styles du texte du masque</a:t>
             </a:r>
           </a:p>
           <a:p>
             <a:pPr lvl="1"/>
             <a:r>
-              <a:rPr lang="fr-FR" smtClean="0"/>
+              <a:rPr lang="fr-FR"/>
               <a:t>Deuxième niveau</a:t>
             </a:r>
           </a:p>
           <a:p>
             <a:pPr lvl="2"/>
             <a:r>
-              <a:rPr lang="fr-FR" smtClean="0"/>
+              <a:rPr lang="fr-FR"/>
               <a:t>Troisième niveau</a:t>
             </a:r>
           </a:p>
           <a:p>
             <a:pPr lvl="3"/>
             <a:r>
-              <a:rPr lang="fr-FR" smtClean="0"/>
+              <a:rPr lang="fr-FR"/>
               <a:t>Quatrième niveau</a:t>
             </a:r>
           </a:p>
           <a:p>
             <a:pPr lvl="4"/>
             <a:r>
-              <a:rPr lang="fr-FR" smtClean="0"/>
+              <a:rPr lang="fr-FR"/>
               <a:t>Cinquième niveau</a:t>
             </a:r>
-            <a:endParaRPr lang="fr-FR"/>
           </a:p>
         </p:txBody>
       </p:sp>
@@ -2675,7 +3778,7 @@
           <a:p>
             <a:fld id="{3D44A1BE-B171-4E78-9176-67CA37002369}" type="datetimeFigureOut">
               <a:rPr lang="fr-FR" smtClean="0"/>
-              <a:t>28/10/2014</a:t>
+              <a:t>21/05/2023</a:t>
             </a:fld>
             <a:endParaRPr lang="fr-FR"/>
           </a:p>
@@ -3068,10 +4171,9 @@
           <a:lstStyle/>
           <a:p>
             <a:r>
-              <a:rPr lang="fr-FR" sz="13800" b="1" dirty="0" smtClean="0"/>
+              <a:rPr lang="fr-FR" sz="13800" b="1" dirty="0"/>
               <a:t>486</a:t>
             </a:r>
-            <a:endParaRPr lang="fr-FR" sz="13800" b="1" dirty="0"/>
           </a:p>
         </p:txBody>
       </p:sp>
@@ -3168,7 +4270,7 @@
           <a:lstStyle/>
           <a:p>
             <a:r>
-              <a:rPr lang="en-GB" sz="4800" b="1" dirty="0" smtClean="0">
+              <a:rPr lang="en-GB" sz="4800" b="1" dirty="0">
                 <a:solidFill>
                   <a:srgbClr val="FF0000"/>
                 </a:solidFill>
@@ -3176,7 +4278,7 @@
               <a:t>5-</a:t>
             </a:r>
             <a:r>
-              <a:rPr lang="en-GB" sz="4800" b="1" dirty="0" smtClean="0"/>
+              <a:rPr lang="en-GB" sz="4800" b="1" dirty="0"/>
               <a:t> </a:t>
             </a:r>
             <a:r>
@@ -3208,7 +4310,7 @@
               <a:t>izao</a:t>
             </a:r>
             <a:r>
-              <a:rPr lang="en-GB" sz="4800" b="1" dirty="0" smtClean="0"/>
+              <a:rPr lang="en-GB" sz="4800" b="1" dirty="0"/>
               <a:t>, </a:t>
             </a:r>
             <a:r>
@@ -3222,20 +4324,16 @@
             <a:r>
               <a:rPr lang="en-GB" sz="4800" b="1" dirty="0" err="1"/>
               <a:t>Tompo</a:t>
-            </a:r>
-            <a:r>
-              <a:rPr lang="fr-FR" sz="4800" b="1" dirty="0"/>
-              <a:t/>
             </a:r>
             <a:br>
               <a:rPr lang="fr-FR" sz="4800" b="1" dirty="0"/>
             </a:br>
             <a:r>
-              <a:rPr lang="en-GB" sz="4800" b="1" dirty="0" err="1" smtClean="0"/>
+              <a:rPr lang="en-GB" sz="4800" b="1" dirty="0" err="1"/>
               <a:t>Tsy</a:t>
             </a:r>
             <a:r>
-              <a:rPr lang="en-GB" sz="4800" b="1" dirty="0" smtClean="0"/>
+              <a:rPr lang="en-GB" sz="4800" b="1" dirty="0"/>
               <a:t> </a:t>
             </a:r>
             <a:r>
@@ -3261,16 +4359,12 @@
             <a:r>
               <a:rPr lang="en-GB" sz="4800" b="1" dirty="0"/>
               <a:t> !</a:t>
-            </a:r>
-            <a:r>
-              <a:rPr lang="fr-FR" sz="4800" b="1" dirty="0"/>
-              <a:t/>
             </a:r>
             <a:br>
               <a:rPr lang="fr-FR" sz="4800" b="1" dirty="0"/>
             </a:br>
             <a:r>
-              <a:rPr lang="en-GB" sz="4800" b="1" dirty="0" smtClean="0"/>
+              <a:rPr lang="en-GB" sz="4800" b="1" dirty="0"/>
               <a:t>Na </a:t>
             </a:r>
             <a:r>
@@ -3300,20 +4394,16 @@
             <a:r>
               <a:rPr lang="en-GB" sz="4800" b="1" dirty="0" err="1"/>
               <a:t>mpanompo</a:t>
-            </a:r>
-            <a:r>
-              <a:rPr lang="fr-FR" sz="4800" b="1" dirty="0"/>
-              <a:t/>
             </a:r>
             <a:br>
               <a:rPr lang="fr-FR" sz="4800" b="1" dirty="0"/>
             </a:br>
             <a:r>
-              <a:rPr lang="en-GB" sz="4800" b="1" dirty="0" err="1" smtClean="0"/>
+              <a:rPr lang="en-GB" sz="4800" b="1" dirty="0" err="1"/>
               <a:t>Dia</a:t>
             </a:r>
             <a:r>
-              <a:rPr lang="en-GB" sz="4800" b="1" dirty="0" smtClean="0"/>
+              <a:rPr lang="en-GB" sz="4800" b="1" dirty="0"/>
               <a:t> </a:t>
             </a:r>
             <a:r>
@@ -3346,11 +4436,7 @@
             </a:r>
             <a:r>
               <a:rPr lang="en-GB" sz="4800" b="1" dirty="0"/>
-              <a:t> </a:t>
-            </a:r>
-            <a:r>
-              <a:rPr lang="en-GB" sz="4800" b="1" dirty="0" smtClean="0"/>
-              <a:t>!</a:t>
+              <a:t> !</a:t>
             </a:r>
             <a:endParaRPr lang="fr-FR" sz="4800" b="1" dirty="0"/>
           </a:p>
@@ -3439,10 +4525,6 @@
               <a:rPr lang="en-GB" sz="5400" b="1" dirty="0" err="1"/>
               <a:t>maty</a:t>
             </a:r>
-            <a:r>
-              <a:rPr lang="fr-FR" sz="5400" b="1" dirty="0"/>
-              <a:t/>
-            </a:r>
             <a:br>
               <a:rPr lang="fr-FR" sz="5400" b="1" dirty="0"/>
             </a:br>
@@ -3478,10 +4560,6 @@
               <a:rPr lang="en-GB" sz="5400" b="1" dirty="0"/>
               <a:t> !</a:t>
             </a:r>
-            <a:r>
-              <a:rPr lang="fr-FR" sz="5400" b="1" dirty="0"/>
-              <a:t/>
-            </a:r>
             <a:br>
               <a:rPr lang="fr-FR" sz="5400" b="1" dirty="0"/>
             </a:br>
@@ -3516,10 +4594,6 @@
             <a:r>
               <a:rPr lang="en-GB" sz="5400" b="1" dirty="0"/>
               <a:t>,</a:t>
-            </a:r>
-            <a:r>
-              <a:rPr lang="fr-FR" sz="5400" b="1" dirty="0"/>
-              <a:t/>
             </a:r>
             <a:br>
               <a:rPr lang="fr-FR" sz="5400" b="1" dirty="0"/>
@@ -3629,7 +4703,7 @@
           <a:lstStyle/>
           <a:p>
             <a:r>
-              <a:rPr lang="en-GB" sz="5400" b="1" dirty="0" smtClean="0">
+              <a:rPr lang="en-GB" sz="5400" b="1" dirty="0">
                 <a:solidFill>
                   <a:srgbClr val="FF0000"/>
                 </a:solidFill>
@@ -3637,7 +4711,7 @@
               <a:t>1-</a:t>
             </a:r>
             <a:r>
-              <a:rPr lang="en-GB" sz="5400" b="1" dirty="0" smtClean="0"/>
+              <a:rPr lang="en-GB" sz="5400" b="1" dirty="0"/>
               <a:t> </a:t>
             </a:r>
             <a:r>
@@ -3663,20 +4737,16 @@
             <a:r>
               <a:rPr lang="en-GB" sz="5400" b="1" dirty="0" err="1"/>
               <a:t>ahy</a:t>
-            </a:r>
-            <a:r>
-              <a:rPr lang="fr-FR" sz="5400" b="1" dirty="0"/>
-              <a:t/>
             </a:r>
             <a:br>
               <a:rPr lang="fr-FR" sz="5400" b="1" dirty="0"/>
             </a:br>
             <a:r>
-              <a:rPr lang="en-GB" sz="5400" b="1" dirty="0" err="1" smtClean="0"/>
+              <a:rPr lang="en-GB" sz="5400" b="1" dirty="0" err="1"/>
               <a:t>Amin’ny</a:t>
             </a:r>
             <a:r>
-              <a:rPr lang="en-GB" sz="5400" b="1" dirty="0" smtClean="0"/>
+              <a:rPr lang="en-GB" sz="5400" b="1" dirty="0"/>
               <a:t> </a:t>
             </a:r>
             <a:r>
@@ -3694,20 +4764,16 @@
             <a:r>
               <a:rPr lang="en-GB" sz="5400" b="1" dirty="0"/>
               <a:t> ?</a:t>
-            </a:r>
-            <a:r>
-              <a:rPr lang="fr-FR" sz="5400" b="1" dirty="0"/>
-              <a:t/>
             </a:r>
             <a:br>
               <a:rPr lang="fr-FR" sz="5400" b="1" dirty="0"/>
             </a:br>
             <a:r>
-              <a:rPr lang="en-GB" sz="5400" b="1" dirty="0" err="1" smtClean="0"/>
+              <a:rPr lang="en-GB" sz="5400" b="1" dirty="0" err="1"/>
               <a:t>Fahoriana</a:t>
             </a:r>
             <a:r>
-              <a:rPr lang="en-GB" sz="5400" b="1" dirty="0" smtClean="0"/>
+              <a:rPr lang="en-GB" sz="5400" b="1" dirty="0"/>
               <a:t> </a:t>
             </a:r>
             <a:r>
@@ -3733,16 +4799,12 @@
             <a:r>
               <a:rPr lang="en-GB" sz="5400" b="1" dirty="0"/>
               <a:t> ?</a:t>
-            </a:r>
-            <a:r>
-              <a:rPr lang="fr-FR" sz="5400" b="1" dirty="0"/>
-              <a:t/>
             </a:r>
             <a:br>
               <a:rPr lang="fr-FR" sz="5400" b="1" dirty="0"/>
             </a:br>
             <a:r>
-              <a:rPr lang="en-GB" sz="5400" b="1" dirty="0" err="1" smtClean="0"/>
+              <a:rPr lang="en-GB" sz="5400" b="1" dirty="0" err="1"/>
               <a:t>Fahantrana</a:t>
             </a:r>
             <a:r>
@@ -3763,11 +4825,7 @@
             </a:r>
             <a:r>
               <a:rPr lang="en-GB" sz="5400" b="1" dirty="0"/>
-              <a:t> </a:t>
-            </a:r>
-            <a:r>
-              <a:rPr lang="en-GB" sz="5400" b="1" dirty="0" smtClean="0"/>
-              <a:t>?</a:t>
+              <a:t> ?</a:t>
             </a:r>
             <a:endParaRPr lang="fr-FR" sz="5400" b="1" dirty="0"/>
           </a:p>
@@ -3822,9 +4880,6 @@
           <a:p>
             <a:r>
               <a:rPr lang="en-GB" sz="5600" b="1" i="1" dirty="0" err="1">
-                <a:solidFill>
-                  <a:srgbClr val="00B0F0"/>
-                </a:solidFill>
                 <a:effectLst>
                   <a:outerShdw blurRad="38100" dist="38100" dir="2700000" algn="tl">
                     <a:srgbClr val="000000">
@@ -3837,9 +4892,6 @@
             </a:r>
             <a:r>
               <a:rPr lang="en-GB" sz="5600" b="1" i="1" dirty="0">
-                <a:solidFill>
-                  <a:srgbClr val="00B0F0"/>
-                </a:solidFill>
                 <a:effectLst>
                   <a:outerShdw blurRad="38100" dist="38100" dir="2700000" algn="tl">
                     <a:srgbClr val="000000">
@@ -3852,9 +4904,6 @@
             </a:r>
             <a:r>
               <a:rPr lang="en-GB" sz="5600" b="1" i="1" dirty="0" err="1">
-                <a:solidFill>
-                  <a:srgbClr val="00B0F0"/>
-                </a:solidFill>
                 <a:effectLst>
                   <a:outerShdw blurRad="38100" dist="38100" dir="2700000" algn="tl">
                     <a:srgbClr val="000000">
@@ -3867,9 +4916,6 @@
             </a:r>
             <a:r>
               <a:rPr lang="en-GB" sz="5600" b="1" i="1" dirty="0">
-                <a:solidFill>
-                  <a:srgbClr val="00B0F0"/>
-                </a:solidFill>
                 <a:effectLst>
                   <a:outerShdw blurRad="38100" dist="38100" dir="2700000" algn="tl">
                     <a:srgbClr val="000000">
@@ -3882,9 +4928,6 @@
             </a:r>
             <a:r>
               <a:rPr lang="en-GB" sz="5600" b="1" i="1" dirty="0" err="1">
-                <a:solidFill>
-                  <a:srgbClr val="00B0F0"/>
-                </a:solidFill>
                 <a:effectLst>
                   <a:outerShdw blurRad="38100" dist="38100" dir="2700000" algn="tl">
                     <a:srgbClr val="000000">
@@ -3897,9 +4940,6 @@
             </a:r>
             <a:r>
               <a:rPr lang="en-GB" sz="5600" b="1" i="1" dirty="0">
-                <a:solidFill>
-                  <a:srgbClr val="00B0F0"/>
-                </a:solidFill>
                 <a:effectLst>
                   <a:outerShdw blurRad="38100" dist="38100" dir="2700000" algn="tl">
                     <a:srgbClr val="000000">
@@ -3912,9 +4952,6 @@
             </a:r>
             <a:r>
               <a:rPr lang="en-GB" sz="5600" b="1" i="1" dirty="0" err="1">
-                <a:solidFill>
-                  <a:srgbClr val="00B0F0"/>
-                </a:solidFill>
                 <a:effectLst>
                   <a:outerShdw blurRad="38100" dist="38100" dir="2700000" algn="tl">
                     <a:srgbClr val="000000">
@@ -3927,9 +4964,6 @@
             </a:r>
             <a:r>
               <a:rPr lang="en-GB" sz="5600" b="1" i="1" dirty="0">
-                <a:solidFill>
-                  <a:srgbClr val="00B0F0"/>
-                </a:solidFill>
                 <a:effectLst>
                   <a:outerShdw blurRad="38100" dist="38100" dir="2700000" algn="tl">
                     <a:srgbClr val="000000">
@@ -3942,9 +4976,6 @@
             </a:r>
             <a:r>
               <a:rPr lang="en-GB" sz="5600" b="1" i="1" dirty="0" err="1">
-                <a:solidFill>
-                  <a:srgbClr val="00B0F0"/>
-                </a:solidFill>
                 <a:effectLst>
                   <a:outerShdw blurRad="38100" dist="38100" dir="2700000" algn="tl">
                     <a:srgbClr val="000000">
@@ -3957,9 +4988,6 @@
             </a:r>
             <a:r>
               <a:rPr lang="en-GB" sz="5600" b="1" i="1" dirty="0">
-                <a:solidFill>
-                  <a:srgbClr val="00B0F0"/>
-                </a:solidFill>
                 <a:effectLst>
                   <a:outerShdw blurRad="38100" dist="38100" dir="2700000" algn="tl">
                     <a:srgbClr val="000000">
@@ -3969,27 +4997,9 @@
                 </a:effectLst>
               </a:rPr>
               <a:t>,</a:t>
-            </a:r>
-            <a:r>
-              <a:rPr lang="fr-FR" sz="5600" b="1" i="1" dirty="0">
-                <a:solidFill>
-                  <a:srgbClr val="00B0F0"/>
-                </a:solidFill>
-                <a:effectLst>
-                  <a:outerShdw blurRad="38100" dist="38100" dir="2700000" algn="tl">
-                    <a:srgbClr val="000000">
-                      <a:alpha val="43137"/>
-                    </a:srgbClr>
-                  </a:outerShdw>
-                </a:effectLst>
-              </a:rPr>
-              <a:t/>
             </a:r>
             <a:br>
               <a:rPr lang="fr-FR" sz="5600" b="1" i="1" dirty="0">
-                <a:solidFill>
-                  <a:srgbClr val="00B0F0"/>
-                </a:solidFill>
                 <a:effectLst>
                   <a:outerShdw blurRad="38100" dist="38100" dir="2700000" algn="tl">
                     <a:srgbClr val="000000">
@@ -4001,9 +5011,6 @@
             </a:br>
             <a:r>
               <a:rPr lang="en-GB" sz="5600" b="1" i="1" dirty="0" err="1">
-                <a:solidFill>
-                  <a:srgbClr val="00B0F0"/>
-                </a:solidFill>
                 <a:effectLst>
                   <a:outerShdw blurRad="38100" dist="38100" dir="2700000" algn="tl">
                     <a:srgbClr val="000000">
@@ -4016,9 +5023,6 @@
             </a:r>
             <a:r>
               <a:rPr lang="en-GB" sz="5600" b="1" i="1" dirty="0">
-                <a:solidFill>
-                  <a:srgbClr val="00B0F0"/>
-                </a:solidFill>
                 <a:effectLst>
                   <a:outerShdw blurRad="38100" dist="38100" dir="2700000" algn="tl">
                     <a:srgbClr val="000000">
@@ -4031,9 +5035,6 @@
             </a:r>
             <a:r>
               <a:rPr lang="en-GB" sz="5600" b="1" i="1" dirty="0" err="1">
-                <a:solidFill>
-                  <a:srgbClr val="00B0F0"/>
-                </a:solidFill>
                 <a:effectLst>
                   <a:outerShdw blurRad="38100" dist="38100" dir="2700000" algn="tl">
                     <a:srgbClr val="000000">
@@ -4046,9 +5047,6 @@
             </a:r>
             <a:r>
               <a:rPr lang="en-GB" sz="5600" b="1" i="1" dirty="0">
-                <a:solidFill>
-                  <a:srgbClr val="00B0F0"/>
-                </a:solidFill>
                 <a:effectLst>
                   <a:outerShdw blurRad="38100" dist="38100" dir="2700000" algn="tl">
                     <a:srgbClr val="000000">
@@ -4061,9 +5059,6 @@
             </a:r>
             <a:r>
               <a:rPr lang="en-GB" sz="5600" b="1" i="1" dirty="0" err="1">
-                <a:solidFill>
-                  <a:srgbClr val="00B0F0"/>
-                </a:solidFill>
                 <a:effectLst>
                   <a:outerShdw blurRad="38100" dist="38100" dir="2700000" algn="tl">
                     <a:srgbClr val="000000">
@@ -4076,9 +5071,6 @@
             </a:r>
             <a:r>
               <a:rPr lang="en-GB" sz="5600" b="1" i="1" dirty="0">
-                <a:solidFill>
-                  <a:srgbClr val="00B0F0"/>
-                </a:solidFill>
                 <a:effectLst>
                   <a:outerShdw blurRad="38100" dist="38100" dir="2700000" algn="tl">
                     <a:srgbClr val="000000">
@@ -4091,9 +5083,6 @@
             </a:r>
             <a:r>
               <a:rPr lang="en-GB" sz="5600" b="1" i="1" dirty="0" err="1">
-                <a:solidFill>
-                  <a:srgbClr val="00B0F0"/>
-                </a:solidFill>
                 <a:effectLst>
                   <a:outerShdw blurRad="38100" dist="38100" dir="2700000" algn="tl">
                     <a:srgbClr val="000000">
@@ -4103,27 +5092,9 @@
                 </a:effectLst>
               </a:rPr>
               <a:t>Aminao</a:t>
-            </a:r>
-            <a:r>
-              <a:rPr lang="en-GB" sz="5600" b="1" i="1" dirty="0">
-                <a:solidFill>
-                  <a:srgbClr val="00B0F0"/>
-                </a:solidFill>
-                <a:effectLst>
-                  <a:outerShdw blurRad="38100" dist="38100" dir="2700000" algn="tl">
-                    <a:srgbClr val="000000">
-                      <a:alpha val="43137"/>
-                    </a:srgbClr>
-                  </a:outerShdw>
-                </a:effectLst>
-              </a:rPr>
-              <a:t/>
             </a:r>
             <a:br>
               <a:rPr lang="en-GB" sz="5600" b="1" i="1" dirty="0">
-                <a:solidFill>
-                  <a:srgbClr val="00B0F0"/>
-                </a:solidFill>
                 <a:effectLst>
                   <a:outerShdw blurRad="38100" dist="38100" dir="2700000" algn="tl">
                     <a:srgbClr val="000000">
@@ -4135,9 +5106,6 @@
             </a:br>
             <a:r>
               <a:rPr lang="en-GB" sz="5600" b="1" i="1" dirty="0" err="1">
-                <a:solidFill>
-                  <a:srgbClr val="00B0F0"/>
-                </a:solidFill>
                 <a:effectLst>
                   <a:outerShdw blurRad="38100" dist="38100" dir="2700000" algn="tl">
                     <a:srgbClr val="000000">
@@ -4150,9 +5118,6 @@
             </a:r>
             <a:r>
               <a:rPr lang="en-GB" sz="5600" b="1" i="1" dirty="0">
-                <a:solidFill>
-                  <a:srgbClr val="00B0F0"/>
-                </a:solidFill>
                 <a:effectLst>
                   <a:outerShdw blurRad="38100" dist="38100" dir="2700000" algn="tl">
                     <a:srgbClr val="000000">
@@ -4165,9 +5130,6 @@
             </a:r>
             <a:r>
               <a:rPr lang="en-GB" sz="5600" b="1" i="1" dirty="0" err="1">
-                <a:solidFill>
-                  <a:srgbClr val="00B0F0"/>
-                </a:solidFill>
                 <a:effectLst>
                   <a:outerShdw blurRad="38100" dist="38100" dir="2700000" algn="tl">
                     <a:srgbClr val="000000">
@@ -4180,9 +5142,6 @@
             </a:r>
             <a:r>
               <a:rPr lang="en-GB" sz="5600" b="1" i="1" dirty="0">
-                <a:solidFill>
-                  <a:srgbClr val="00B0F0"/>
-                </a:solidFill>
                 <a:effectLst>
                   <a:outerShdw blurRad="38100" dist="38100" dir="2700000" algn="tl">
                     <a:srgbClr val="000000">
@@ -4195,9 +5154,6 @@
             </a:r>
             <a:r>
               <a:rPr lang="en-GB" sz="5600" b="1" i="1" dirty="0" err="1">
-                <a:solidFill>
-                  <a:srgbClr val="00B0F0"/>
-                </a:solidFill>
                 <a:effectLst>
                   <a:outerShdw blurRad="38100" dist="38100" dir="2700000" algn="tl">
                     <a:srgbClr val="000000">
@@ -4207,27 +5163,9 @@
                 </a:effectLst>
               </a:rPr>
               <a:t>doria</a:t>
-            </a:r>
-            <a:r>
-              <a:rPr lang="en-GB" sz="5600" b="1" i="1" dirty="0">
-                <a:solidFill>
-                  <a:srgbClr val="00B0F0"/>
-                </a:solidFill>
-                <a:effectLst>
-                  <a:outerShdw blurRad="38100" dist="38100" dir="2700000" algn="tl">
-                    <a:srgbClr val="000000">
-                      <a:alpha val="43137"/>
-                    </a:srgbClr>
-                  </a:outerShdw>
-                </a:effectLst>
-              </a:rPr>
-              <a:t/>
             </a:r>
             <a:br>
               <a:rPr lang="en-GB" sz="5600" b="1" i="1" dirty="0">
-                <a:solidFill>
-                  <a:srgbClr val="00B0F0"/>
-                </a:solidFill>
                 <a:effectLst>
                   <a:outerShdw blurRad="38100" dist="38100" dir="2700000" algn="tl">
                     <a:srgbClr val="000000">
@@ -4239,9 +5177,6 @@
             </a:br>
             <a:r>
               <a:rPr lang="en-GB" sz="5600" b="1" i="1" dirty="0" err="1">
-                <a:solidFill>
-                  <a:srgbClr val="00B0F0"/>
-                </a:solidFill>
                 <a:effectLst>
                   <a:outerShdw blurRad="38100" dist="38100" dir="2700000" algn="tl">
                     <a:srgbClr val="000000">
@@ -4254,9 +5189,6 @@
             </a:r>
             <a:r>
               <a:rPr lang="en-GB" sz="5600" b="1" i="1" dirty="0">
-                <a:solidFill>
-                  <a:srgbClr val="00B0F0"/>
-                </a:solidFill>
                 <a:effectLst>
                   <a:outerShdw blurRad="38100" dist="38100" dir="2700000" algn="tl">
                     <a:srgbClr val="000000">
@@ -4269,9 +5201,6 @@
             </a:r>
             <a:r>
               <a:rPr lang="en-GB" sz="5600" b="1" i="1" dirty="0" err="1">
-                <a:solidFill>
-                  <a:srgbClr val="00B0F0"/>
-                </a:solidFill>
                 <a:effectLst>
                   <a:outerShdw blurRad="38100" dist="38100" dir="2700000" algn="tl">
                     <a:srgbClr val="000000">
@@ -4284,9 +5213,6 @@
             </a:r>
             <a:r>
               <a:rPr lang="en-GB" sz="5600" b="1" i="1" dirty="0">
-                <a:solidFill>
-                  <a:srgbClr val="00B0F0"/>
-                </a:solidFill>
                 <a:effectLst>
                   <a:outerShdw blurRad="38100" dist="38100" dir="2700000" algn="tl">
                     <a:srgbClr val="000000">
@@ -4299,9 +5225,6 @@
             </a:r>
             <a:r>
               <a:rPr lang="en-GB" sz="5600" b="1" i="1" dirty="0" err="1">
-                <a:solidFill>
-                  <a:srgbClr val="00B0F0"/>
-                </a:solidFill>
                 <a:effectLst>
                   <a:outerShdw blurRad="38100" dist="38100" dir="2700000" algn="tl">
                     <a:srgbClr val="000000">
@@ -4314,9 +5237,6 @@
             </a:r>
             <a:r>
               <a:rPr lang="en-GB" sz="5600" b="1" i="1" dirty="0">
-                <a:solidFill>
-                  <a:srgbClr val="00B0F0"/>
-                </a:solidFill>
                 <a:effectLst>
                   <a:outerShdw blurRad="38100" dist="38100" dir="2700000" algn="tl">
                     <a:srgbClr val="000000">
@@ -4329,9 +5249,6 @@
             </a:r>
             <a:r>
               <a:rPr lang="en-GB" sz="5600" b="1" i="1" dirty="0" err="1">
-                <a:solidFill>
-                  <a:srgbClr val="00B0F0"/>
-                </a:solidFill>
                 <a:effectLst>
                   <a:outerShdw blurRad="38100" dist="38100" dir="2700000" algn="tl">
                     <a:srgbClr val="000000">
@@ -4344,9 +5261,6 @@
             </a:r>
             <a:r>
               <a:rPr lang="en-GB" sz="5600" b="1" i="1" dirty="0">
-                <a:solidFill>
-                  <a:srgbClr val="00B0F0"/>
-                </a:solidFill>
                 <a:effectLst>
                   <a:outerShdw blurRad="38100" dist="38100" dir="2700000" algn="tl">
                     <a:srgbClr val="000000">
@@ -4356,27 +5270,9 @@
                 </a:effectLst>
               </a:rPr>
               <a:t>.</a:t>
-            </a:r>
-            <a:r>
-              <a:rPr lang="fr-FR" sz="5600" b="1" i="1" dirty="0">
-                <a:solidFill>
-                  <a:srgbClr val="00B0F0"/>
-                </a:solidFill>
-                <a:effectLst>
-                  <a:outerShdw blurRad="38100" dist="38100" dir="2700000" algn="tl">
-                    <a:srgbClr val="000000">
-                      <a:alpha val="43137"/>
-                    </a:srgbClr>
-                  </a:outerShdw>
-                </a:effectLst>
-              </a:rPr>
-              <a:t/>
             </a:r>
             <a:br>
               <a:rPr lang="fr-FR" sz="5600" b="1" i="1" dirty="0">
-                <a:solidFill>
-                  <a:srgbClr val="00B0F0"/>
-                </a:solidFill>
                 <a:effectLst>
                   <a:outerShdw blurRad="38100" dist="38100" dir="2700000" algn="tl">
                     <a:srgbClr val="000000">
@@ -4451,7 +5347,7 @@
           <a:lstStyle/>
           <a:p>
             <a:r>
-              <a:rPr lang="en-GB" sz="6000" b="1" dirty="0" smtClean="0">
+              <a:rPr lang="en-GB" sz="6000" b="1" dirty="0">
                 <a:solidFill>
                   <a:srgbClr val="FF0000"/>
                 </a:solidFill>
@@ -4459,7 +5355,7 @@
               <a:t>2-</a:t>
             </a:r>
             <a:r>
-              <a:rPr lang="en-GB" sz="6000" b="1" dirty="0" smtClean="0"/>
+              <a:rPr lang="en-GB" sz="6000" b="1" dirty="0"/>
               <a:t> </a:t>
             </a:r>
             <a:r>
@@ -4485,20 +5381,16 @@
             <a:r>
               <a:rPr lang="en-GB" sz="6000" b="1" dirty="0" err="1"/>
               <a:t>ahy</a:t>
-            </a:r>
-            <a:r>
-              <a:rPr lang="fr-FR" sz="6000" b="1" dirty="0"/>
-              <a:t/>
             </a:r>
             <a:br>
               <a:rPr lang="fr-FR" sz="6000" b="1" dirty="0"/>
             </a:br>
             <a:r>
-              <a:rPr lang="en-GB" sz="6000" b="1" dirty="0" err="1" smtClean="0"/>
+              <a:rPr lang="en-GB" sz="6000" b="1" dirty="0" err="1"/>
               <a:t>Amin’ny</a:t>
             </a:r>
             <a:r>
-              <a:rPr lang="en-GB" sz="6000" b="1" dirty="0" smtClean="0"/>
+              <a:rPr lang="en-GB" sz="6000" b="1" dirty="0"/>
               <a:t> </a:t>
             </a:r>
             <a:r>
@@ -4516,20 +5408,16 @@
             <a:r>
               <a:rPr lang="en-GB" sz="6000" b="1" dirty="0"/>
               <a:t> ?</a:t>
-            </a:r>
-            <a:r>
-              <a:rPr lang="fr-FR" sz="6000" b="1" dirty="0"/>
-              <a:t/>
             </a:r>
             <a:br>
               <a:rPr lang="fr-FR" sz="6000" b="1" dirty="0"/>
             </a:br>
             <a:r>
-              <a:rPr lang="en-GB" sz="5800" b="1" dirty="0" err="1" smtClean="0"/>
+              <a:rPr lang="en-GB" sz="5800" b="1" dirty="0" err="1"/>
               <a:t>Zo</a:t>
             </a:r>
             <a:r>
-              <a:rPr lang="en-GB" sz="5800" b="1" dirty="0" smtClean="0"/>
+              <a:rPr lang="en-GB" sz="5800" b="1" dirty="0"/>
               <a:t> </a:t>
             </a:r>
             <a:r>
@@ -4563,16 +5451,12 @@
             <a:r>
               <a:rPr lang="en-GB" sz="5800" b="1" dirty="0"/>
               <a:t> ?</a:t>
-            </a:r>
-            <a:r>
-              <a:rPr lang="fr-FR" sz="5800" b="1" dirty="0"/>
-              <a:t/>
             </a:r>
             <a:br>
               <a:rPr lang="fr-FR" sz="5800" b="1" dirty="0"/>
             </a:br>
             <a:r>
-              <a:rPr lang="fr-FR" sz="6000" b="1" dirty="0" smtClean="0"/>
+              <a:rPr lang="fr-FR" sz="6000" b="1" dirty="0"/>
               <a:t>Sa </a:t>
             </a:r>
             <a:r>
@@ -4651,9 +5535,6 @@
           <a:p>
             <a:r>
               <a:rPr lang="en-GB" sz="5600" b="1" i="1" dirty="0" err="1">
-                <a:solidFill>
-                  <a:srgbClr val="00B0F0"/>
-                </a:solidFill>
                 <a:effectLst>
                   <a:outerShdw blurRad="38100" dist="38100" dir="2700000" algn="tl">
                     <a:srgbClr val="000000">
@@ -4666,9 +5547,6 @@
             </a:r>
             <a:r>
               <a:rPr lang="en-GB" sz="5600" b="1" i="1" dirty="0">
-                <a:solidFill>
-                  <a:srgbClr val="00B0F0"/>
-                </a:solidFill>
                 <a:effectLst>
                   <a:outerShdw blurRad="38100" dist="38100" dir="2700000" algn="tl">
                     <a:srgbClr val="000000">
@@ -4681,9 +5559,6 @@
             </a:r>
             <a:r>
               <a:rPr lang="en-GB" sz="5600" b="1" i="1" dirty="0" err="1">
-                <a:solidFill>
-                  <a:srgbClr val="00B0F0"/>
-                </a:solidFill>
                 <a:effectLst>
                   <a:outerShdw blurRad="38100" dist="38100" dir="2700000" algn="tl">
                     <a:srgbClr val="000000">
@@ -4696,9 +5571,6 @@
             </a:r>
             <a:r>
               <a:rPr lang="en-GB" sz="5600" b="1" i="1" dirty="0">
-                <a:solidFill>
-                  <a:srgbClr val="00B0F0"/>
-                </a:solidFill>
                 <a:effectLst>
                   <a:outerShdw blurRad="38100" dist="38100" dir="2700000" algn="tl">
                     <a:srgbClr val="000000">
@@ -4711,9 +5583,6 @@
             </a:r>
             <a:r>
               <a:rPr lang="en-GB" sz="5600" b="1" i="1" dirty="0" err="1">
-                <a:solidFill>
-                  <a:srgbClr val="00B0F0"/>
-                </a:solidFill>
                 <a:effectLst>
                   <a:outerShdw blurRad="38100" dist="38100" dir="2700000" algn="tl">
                     <a:srgbClr val="000000">
@@ -4726,9 +5595,6 @@
             </a:r>
             <a:r>
               <a:rPr lang="en-GB" sz="5600" b="1" i="1" dirty="0">
-                <a:solidFill>
-                  <a:srgbClr val="00B0F0"/>
-                </a:solidFill>
                 <a:effectLst>
                   <a:outerShdw blurRad="38100" dist="38100" dir="2700000" algn="tl">
                     <a:srgbClr val="000000">
@@ -4741,9 +5607,6 @@
             </a:r>
             <a:r>
               <a:rPr lang="en-GB" sz="5600" b="1" i="1" dirty="0" err="1">
-                <a:solidFill>
-                  <a:srgbClr val="00B0F0"/>
-                </a:solidFill>
                 <a:effectLst>
                   <a:outerShdw blurRad="38100" dist="38100" dir="2700000" algn="tl">
                     <a:srgbClr val="000000">
@@ -4756,9 +5619,6 @@
             </a:r>
             <a:r>
               <a:rPr lang="en-GB" sz="5600" b="1" i="1" dirty="0">
-                <a:solidFill>
-                  <a:srgbClr val="00B0F0"/>
-                </a:solidFill>
                 <a:effectLst>
                   <a:outerShdw blurRad="38100" dist="38100" dir="2700000" algn="tl">
                     <a:srgbClr val="000000">
@@ -4771,9 +5631,6 @@
             </a:r>
             <a:r>
               <a:rPr lang="en-GB" sz="5600" b="1" i="1" dirty="0" err="1">
-                <a:solidFill>
-                  <a:srgbClr val="00B0F0"/>
-                </a:solidFill>
                 <a:effectLst>
                   <a:outerShdw blurRad="38100" dist="38100" dir="2700000" algn="tl">
                     <a:srgbClr val="000000">
@@ -4786,9 +5643,6 @@
             </a:r>
             <a:r>
               <a:rPr lang="en-GB" sz="5600" b="1" i="1" dirty="0">
-                <a:solidFill>
-                  <a:srgbClr val="00B0F0"/>
-                </a:solidFill>
                 <a:effectLst>
                   <a:outerShdw blurRad="38100" dist="38100" dir="2700000" algn="tl">
                     <a:srgbClr val="000000">
@@ -4798,27 +5652,9 @@
                 </a:effectLst>
               </a:rPr>
               <a:t>,</a:t>
-            </a:r>
-            <a:r>
-              <a:rPr lang="fr-FR" sz="5600" b="1" i="1" dirty="0">
-                <a:solidFill>
-                  <a:srgbClr val="00B0F0"/>
-                </a:solidFill>
-                <a:effectLst>
-                  <a:outerShdw blurRad="38100" dist="38100" dir="2700000" algn="tl">
-                    <a:srgbClr val="000000">
-                      <a:alpha val="43137"/>
-                    </a:srgbClr>
-                  </a:outerShdw>
-                </a:effectLst>
-              </a:rPr>
-              <a:t/>
             </a:r>
             <a:br>
               <a:rPr lang="fr-FR" sz="5600" b="1" i="1" dirty="0">
-                <a:solidFill>
-                  <a:srgbClr val="00B0F0"/>
-                </a:solidFill>
                 <a:effectLst>
                   <a:outerShdw blurRad="38100" dist="38100" dir="2700000" algn="tl">
                     <a:srgbClr val="000000">
@@ -4830,9 +5666,6 @@
             </a:br>
             <a:r>
               <a:rPr lang="en-GB" sz="5600" b="1" i="1" dirty="0" err="1">
-                <a:solidFill>
-                  <a:srgbClr val="00B0F0"/>
-                </a:solidFill>
                 <a:effectLst>
                   <a:outerShdw blurRad="38100" dist="38100" dir="2700000" algn="tl">
                     <a:srgbClr val="000000">
@@ -4845,9 +5678,6 @@
             </a:r>
             <a:r>
               <a:rPr lang="en-GB" sz="5600" b="1" i="1" dirty="0">
-                <a:solidFill>
-                  <a:srgbClr val="00B0F0"/>
-                </a:solidFill>
                 <a:effectLst>
                   <a:outerShdw blurRad="38100" dist="38100" dir="2700000" algn="tl">
                     <a:srgbClr val="000000">
@@ -4860,9 +5690,6 @@
             </a:r>
             <a:r>
               <a:rPr lang="en-GB" sz="5600" b="1" i="1" dirty="0" err="1">
-                <a:solidFill>
-                  <a:srgbClr val="00B0F0"/>
-                </a:solidFill>
                 <a:effectLst>
                   <a:outerShdw blurRad="38100" dist="38100" dir="2700000" algn="tl">
                     <a:srgbClr val="000000">
@@ -4875,9 +5702,6 @@
             </a:r>
             <a:r>
               <a:rPr lang="en-GB" sz="5600" b="1" i="1" dirty="0">
-                <a:solidFill>
-                  <a:srgbClr val="00B0F0"/>
-                </a:solidFill>
                 <a:effectLst>
                   <a:outerShdw blurRad="38100" dist="38100" dir="2700000" algn="tl">
                     <a:srgbClr val="000000">
@@ -4890,9 +5714,6 @@
             </a:r>
             <a:r>
               <a:rPr lang="en-GB" sz="5600" b="1" i="1" dirty="0" err="1">
-                <a:solidFill>
-                  <a:srgbClr val="00B0F0"/>
-                </a:solidFill>
                 <a:effectLst>
                   <a:outerShdw blurRad="38100" dist="38100" dir="2700000" algn="tl">
                     <a:srgbClr val="000000">
@@ -4905,9 +5726,6 @@
             </a:r>
             <a:r>
               <a:rPr lang="en-GB" sz="5600" b="1" i="1" dirty="0">
-                <a:solidFill>
-                  <a:srgbClr val="00B0F0"/>
-                </a:solidFill>
                 <a:effectLst>
                   <a:outerShdw blurRad="38100" dist="38100" dir="2700000" algn="tl">
                     <a:srgbClr val="000000">
@@ -4920,9 +5738,6 @@
             </a:r>
             <a:r>
               <a:rPr lang="en-GB" sz="5600" b="1" i="1" dirty="0" err="1">
-                <a:solidFill>
-                  <a:srgbClr val="00B0F0"/>
-                </a:solidFill>
                 <a:effectLst>
                   <a:outerShdw blurRad="38100" dist="38100" dir="2700000" algn="tl">
                     <a:srgbClr val="000000">
@@ -4932,27 +5747,9 @@
                 </a:effectLst>
               </a:rPr>
               <a:t>Aminao</a:t>
-            </a:r>
-            <a:r>
-              <a:rPr lang="en-GB" sz="5600" b="1" i="1" dirty="0">
-                <a:solidFill>
-                  <a:srgbClr val="00B0F0"/>
-                </a:solidFill>
-                <a:effectLst>
-                  <a:outerShdw blurRad="38100" dist="38100" dir="2700000" algn="tl">
-                    <a:srgbClr val="000000">
-                      <a:alpha val="43137"/>
-                    </a:srgbClr>
-                  </a:outerShdw>
-                </a:effectLst>
-              </a:rPr>
-              <a:t/>
             </a:r>
             <a:br>
               <a:rPr lang="en-GB" sz="5600" b="1" i="1" dirty="0">
-                <a:solidFill>
-                  <a:srgbClr val="00B0F0"/>
-                </a:solidFill>
                 <a:effectLst>
                   <a:outerShdw blurRad="38100" dist="38100" dir="2700000" algn="tl">
                     <a:srgbClr val="000000">
@@ -4964,9 +5761,6 @@
             </a:br>
             <a:r>
               <a:rPr lang="en-GB" sz="5600" b="1" i="1" dirty="0" err="1">
-                <a:solidFill>
-                  <a:srgbClr val="00B0F0"/>
-                </a:solidFill>
                 <a:effectLst>
                   <a:outerShdw blurRad="38100" dist="38100" dir="2700000" algn="tl">
                     <a:srgbClr val="000000">
@@ -4979,9 +5773,6 @@
             </a:r>
             <a:r>
               <a:rPr lang="en-GB" sz="5600" b="1" i="1" dirty="0">
-                <a:solidFill>
-                  <a:srgbClr val="00B0F0"/>
-                </a:solidFill>
                 <a:effectLst>
                   <a:outerShdw blurRad="38100" dist="38100" dir="2700000" algn="tl">
                     <a:srgbClr val="000000">
@@ -4994,9 +5785,6 @@
             </a:r>
             <a:r>
               <a:rPr lang="en-GB" sz="5600" b="1" i="1" dirty="0" err="1">
-                <a:solidFill>
-                  <a:srgbClr val="00B0F0"/>
-                </a:solidFill>
                 <a:effectLst>
                   <a:outerShdw blurRad="38100" dist="38100" dir="2700000" algn="tl">
                     <a:srgbClr val="000000">
@@ -5009,9 +5797,6 @@
             </a:r>
             <a:r>
               <a:rPr lang="en-GB" sz="5600" b="1" i="1" dirty="0">
-                <a:solidFill>
-                  <a:srgbClr val="00B0F0"/>
-                </a:solidFill>
                 <a:effectLst>
                   <a:outerShdw blurRad="38100" dist="38100" dir="2700000" algn="tl">
                     <a:srgbClr val="000000">
@@ -5024,9 +5809,6 @@
             </a:r>
             <a:r>
               <a:rPr lang="en-GB" sz="5600" b="1" i="1" dirty="0" err="1">
-                <a:solidFill>
-                  <a:srgbClr val="00B0F0"/>
-                </a:solidFill>
                 <a:effectLst>
                   <a:outerShdw blurRad="38100" dist="38100" dir="2700000" algn="tl">
                     <a:srgbClr val="000000">
@@ -5036,27 +5818,9 @@
                 </a:effectLst>
               </a:rPr>
               <a:t>doria</a:t>
-            </a:r>
-            <a:r>
-              <a:rPr lang="en-GB" sz="5600" b="1" i="1" dirty="0">
-                <a:solidFill>
-                  <a:srgbClr val="00B0F0"/>
-                </a:solidFill>
-                <a:effectLst>
-                  <a:outerShdw blurRad="38100" dist="38100" dir="2700000" algn="tl">
-                    <a:srgbClr val="000000">
-                      <a:alpha val="43137"/>
-                    </a:srgbClr>
-                  </a:outerShdw>
-                </a:effectLst>
-              </a:rPr>
-              <a:t/>
             </a:r>
             <a:br>
               <a:rPr lang="en-GB" sz="5600" b="1" i="1" dirty="0">
-                <a:solidFill>
-                  <a:srgbClr val="00B0F0"/>
-                </a:solidFill>
                 <a:effectLst>
                   <a:outerShdw blurRad="38100" dist="38100" dir="2700000" algn="tl">
                     <a:srgbClr val="000000">
@@ -5068,9 +5832,6 @@
             </a:br>
             <a:r>
               <a:rPr lang="en-GB" sz="5600" b="1" i="1" dirty="0" err="1">
-                <a:solidFill>
-                  <a:srgbClr val="00B0F0"/>
-                </a:solidFill>
                 <a:effectLst>
                   <a:outerShdw blurRad="38100" dist="38100" dir="2700000" algn="tl">
                     <a:srgbClr val="000000">
@@ -5083,9 +5844,6 @@
             </a:r>
             <a:r>
               <a:rPr lang="en-GB" sz="5600" b="1" i="1" dirty="0">
-                <a:solidFill>
-                  <a:srgbClr val="00B0F0"/>
-                </a:solidFill>
                 <a:effectLst>
                   <a:outerShdw blurRad="38100" dist="38100" dir="2700000" algn="tl">
                     <a:srgbClr val="000000">
@@ -5098,9 +5856,6 @@
             </a:r>
             <a:r>
               <a:rPr lang="en-GB" sz="5600" b="1" i="1" dirty="0" err="1">
-                <a:solidFill>
-                  <a:srgbClr val="00B0F0"/>
-                </a:solidFill>
                 <a:effectLst>
                   <a:outerShdw blurRad="38100" dist="38100" dir="2700000" algn="tl">
                     <a:srgbClr val="000000">
@@ -5113,9 +5868,6 @@
             </a:r>
             <a:r>
               <a:rPr lang="en-GB" sz="5600" b="1" i="1" dirty="0">
-                <a:solidFill>
-                  <a:srgbClr val="00B0F0"/>
-                </a:solidFill>
                 <a:effectLst>
                   <a:outerShdw blurRad="38100" dist="38100" dir="2700000" algn="tl">
                     <a:srgbClr val="000000">
@@ -5128,9 +5880,6 @@
             </a:r>
             <a:r>
               <a:rPr lang="en-GB" sz="5600" b="1" i="1" dirty="0" err="1">
-                <a:solidFill>
-                  <a:srgbClr val="00B0F0"/>
-                </a:solidFill>
                 <a:effectLst>
                   <a:outerShdw blurRad="38100" dist="38100" dir="2700000" algn="tl">
                     <a:srgbClr val="000000">
@@ -5143,9 +5892,6 @@
             </a:r>
             <a:r>
               <a:rPr lang="en-GB" sz="5600" b="1" i="1" dirty="0">
-                <a:solidFill>
-                  <a:srgbClr val="00B0F0"/>
-                </a:solidFill>
                 <a:effectLst>
                   <a:outerShdw blurRad="38100" dist="38100" dir="2700000" algn="tl">
                     <a:srgbClr val="000000">
@@ -5158,9 +5904,6 @@
             </a:r>
             <a:r>
               <a:rPr lang="en-GB" sz="5600" b="1" i="1" dirty="0" err="1">
-                <a:solidFill>
-                  <a:srgbClr val="00B0F0"/>
-                </a:solidFill>
                 <a:effectLst>
                   <a:outerShdw blurRad="38100" dist="38100" dir="2700000" algn="tl">
                     <a:srgbClr val="000000">
@@ -5173,9 +5916,6 @@
             </a:r>
             <a:r>
               <a:rPr lang="en-GB" sz="5600" b="1" i="1" dirty="0">
-                <a:solidFill>
-                  <a:srgbClr val="00B0F0"/>
-                </a:solidFill>
                 <a:effectLst>
                   <a:outerShdw blurRad="38100" dist="38100" dir="2700000" algn="tl">
                     <a:srgbClr val="000000">
@@ -5185,27 +5925,9 @@
                 </a:effectLst>
               </a:rPr>
               <a:t>.</a:t>
-            </a:r>
-            <a:r>
-              <a:rPr lang="fr-FR" sz="5600" b="1" i="1" dirty="0">
-                <a:solidFill>
-                  <a:srgbClr val="00B0F0"/>
-                </a:solidFill>
-                <a:effectLst>
-                  <a:outerShdw blurRad="38100" dist="38100" dir="2700000" algn="tl">
-                    <a:srgbClr val="000000">
-                      <a:alpha val="43137"/>
-                    </a:srgbClr>
-                  </a:outerShdw>
-                </a:effectLst>
-              </a:rPr>
-              <a:t/>
             </a:r>
             <a:br>
               <a:rPr lang="fr-FR" sz="5600" b="1" i="1" dirty="0">
-                <a:solidFill>
-                  <a:srgbClr val="00B0F0"/>
-                </a:solidFill>
                 <a:effectLst>
                   <a:outerShdw blurRad="38100" dist="38100" dir="2700000" algn="tl">
                     <a:srgbClr val="000000">
@@ -5280,7 +6002,7 @@
           <a:lstStyle/>
           <a:p>
             <a:r>
-              <a:rPr lang="en-GB" sz="5400" b="1" dirty="0" smtClean="0">
+              <a:rPr lang="en-GB" sz="5400" b="1" dirty="0">
                 <a:solidFill>
                   <a:srgbClr val="FF0000"/>
                 </a:solidFill>
@@ -5288,20 +6010,16 @@
               <a:t>3-</a:t>
             </a:r>
             <a:r>
-              <a:rPr lang="en-GB" sz="5400" b="1" dirty="0" smtClean="0"/>
-              <a:t> </a:t>
-            </a:r>
-            <a:r>
-              <a:rPr lang="en-GB" sz="5400" b="1" dirty="0" err="1" smtClean="0"/>
+              <a:rPr lang="en-GB" sz="5400" b="1" dirty="0"/>
+              <a:t> </a:t>
+            </a:r>
+            <a:r>
+              <a:rPr lang="en-GB" sz="5400" b="1" dirty="0" err="1"/>
               <a:t>Inona</a:t>
             </a:r>
             <a:r>
-              <a:rPr lang="en-GB" sz="5400" b="1" dirty="0" smtClean="0"/>
-              <a:t> </a:t>
-            </a:r>
-            <a:r>
               <a:rPr lang="en-GB" sz="5400" b="1" dirty="0"/>
-              <a:t>no </a:t>
+              <a:t> no </a:t>
             </a:r>
             <a:r>
               <a:rPr lang="en-GB" sz="5400" b="1" dirty="0" err="1"/>
@@ -5318,20 +6036,16 @@
             <a:r>
               <a:rPr lang="en-GB" sz="5400" b="1" dirty="0" err="1"/>
               <a:t>ahy</a:t>
-            </a:r>
-            <a:r>
-              <a:rPr lang="fr-FR" sz="5400" b="1" dirty="0"/>
-              <a:t/>
             </a:r>
             <a:br>
               <a:rPr lang="fr-FR" sz="5400" b="1" dirty="0"/>
             </a:br>
             <a:r>
-              <a:rPr lang="fr-FR" sz="5400" b="1" dirty="0" err="1" smtClean="0"/>
+              <a:rPr lang="fr-FR" sz="5400" b="1" dirty="0" err="1"/>
               <a:t>Amin’ny</a:t>
             </a:r>
             <a:r>
-              <a:rPr lang="fr-FR" sz="5400" b="1" dirty="0" smtClean="0"/>
+              <a:rPr lang="fr-FR" sz="5400" b="1" dirty="0"/>
               <a:t> </a:t>
             </a:r>
             <a:r>
@@ -5348,48 +6062,40 @@
             </a:r>
             <a:r>
               <a:rPr lang="fr-FR" sz="5400" b="1" dirty="0"/>
-              <a:t> </a:t>
-            </a:r>
-            <a:r>
-              <a:rPr lang="fr-FR" sz="5400" b="1" dirty="0" smtClean="0"/>
-              <a:t>?</a:t>
-            </a:r>
-            <a:br>
-              <a:rPr lang="fr-FR" sz="5400" b="1" dirty="0" smtClean="0"/>
-            </a:br>
-            <a:r>
-              <a:rPr lang="fr-FR" sz="5400" b="1" dirty="0" err="1" smtClean="0"/>
-              <a:t>Sabatra</a:t>
-            </a:r>
-            <a:r>
-              <a:rPr lang="fr-FR" sz="5400" b="1" dirty="0"/>
-              <a:t>, sa </a:t>
-            </a:r>
-            <a:r>
-              <a:rPr lang="fr-FR" sz="5400" b="1" dirty="0" err="1" smtClean="0"/>
-              <a:t>fanenjehana</a:t>
-            </a:r>
-            <a:r>
-              <a:rPr lang="fr-FR" sz="5400" b="1" dirty="0" smtClean="0"/>
-              <a:t> </a:t>
-            </a:r>
-            <a:r>
-              <a:rPr lang="en-GB" sz="5400" b="1" dirty="0" err="1"/>
-              <a:t>mafy</a:t>
-            </a:r>
-            <a:r>
-              <a:rPr lang="en-GB" sz="5400" b="1" dirty="0"/>
               <a:t> ?</a:t>
-            </a:r>
-            <a:r>
-              <a:rPr lang="fr-FR" sz="5400" b="1" dirty="0"/>
-              <a:t/>
             </a:r>
             <a:br>
               <a:rPr lang="fr-FR" sz="5400" b="1" dirty="0"/>
             </a:br>
             <a:r>
-              <a:rPr lang="en-GB" sz="5400" b="1" dirty="0" smtClean="0"/>
+              <a:rPr lang="fr-FR" sz="5400" b="1" dirty="0" err="1"/>
+              <a:t>Sabatra</a:t>
+            </a:r>
+            <a:r>
+              <a:rPr lang="fr-FR" sz="5400" b="1" dirty="0"/>
+              <a:t>, sa </a:t>
+            </a:r>
+            <a:r>
+              <a:rPr lang="fr-FR" sz="5400" b="1" dirty="0" err="1"/>
+              <a:t>fanenjehana</a:t>
+            </a:r>
+            <a:r>
+              <a:rPr lang="fr-FR" sz="5400" b="1" dirty="0"/>
+              <a:t> </a:t>
+            </a:r>
+            <a:r>
+              <a:rPr lang="en-GB" sz="5400" b="1" dirty="0" err="1"/>
+              <a:t>mafy</a:t>
+            </a:r>
+            <a:r>
+              <a:rPr lang="en-GB" sz="5400" b="1" dirty="0"/>
+              <a:t> ?</a:t>
+            </a:r>
+            <a:br>
+              <a:rPr lang="fr-FR" sz="5400" b="1" dirty="0"/>
+            </a:br>
+            <a:r>
+              <a:rPr lang="en-GB" sz="5400" b="1" dirty="0"/>
               <a:t>Sa </a:t>
             </a:r>
             <a:r>
@@ -5469,9 +6175,6 @@
           <a:p>
             <a:r>
               <a:rPr lang="en-GB" sz="5600" b="1" i="1" dirty="0" err="1">
-                <a:solidFill>
-                  <a:srgbClr val="00B0F0"/>
-                </a:solidFill>
                 <a:effectLst>
                   <a:outerShdw blurRad="38100" dist="38100" dir="2700000" algn="tl">
                     <a:srgbClr val="000000">
@@ -5484,9 +6187,6 @@
             </a:r>
             <a:r>
               <a:rPr lang="en-GB" sz="5600" b="1" i="1" dirty="0">
-                <a:solidFill>
-                  <a:srgbClr val="00B0F0"/>
-                </a:solidFill>
                 <a:effectLst>
                   <a:outerShdw blurRad="38100" dist="38100" dir="2700000" algn="tl">
                     <a:srgbClr val="000000">
@@ -5499,9 +6199,6 @@
             </a:r>
             <a:r>
               <a:rPr lang="en-GB" sz="5600" b="1" i="1" dirty="0" err="1">
-                <a:solidFill>
-                  <a:srgbClr val="00B0F0"/>
-                </a:solidFill>
                 <a:effectLst>
                   <a:outerShdw blurRad="38100" dist="38100" dir="2700000" algn="tl">
                     <a:srgbClr val="000000">
@@ -5514,9 +6211,6 @@
             </a:r>
             <a:r>
               <a:rPr lang="en-GB" sz="5600" b="1" i="1" dirty="0">
-                <a:solidFill>
-                  <a:srgbClr val="00B0F0"/>
-                </a:solidFill>
                 <a:effectLst>
                   <a:outerShdw blurRad="38100" dist="38100" dir="2700000" algn="tl">
                     <a:srgbClr val="000000">
@@ -5529,9 +6223,6 @@
             </a:r>
             <a:r>
               <a:rPr lang="en-GB" sz="5600" b="1" i="1" dirty="0" err="1">
-                <a:solidFill>
-                  <a:srgbClr val="00B0F0"/>
-                </a:solidFill>
                 <a:effectLst>
                   <a:outerShdw blurRad="38100" dist="38100" dir="2700000" algn="tl">
                     <a:srgbClr val="000000">
@@ -5544,9 +6235,6 @@
             </a:r>
             <a:r>
               <a:rPr lang="en-GB" sz="5600" b="1" i="1" dirty="0">
-                <a:solidFill>
-                  <a:srgbClr val="00B0F0"/>
-                </a:solidFill>
                 <a:effectLst>
                   <a:outerShdw blurRad="38100" dist="38100" dir="2700000" algn="tl">
                     <a:srgbClr val="000000">
@@ -5559,9 +6247,6 @@
             </a:r>
             <a:r>
               <a:rPr lang="en-GB" sz="5600" b="1" i="1" dirty="0" err="1">
-                <a:solidFill>
-                  <a:srgbClr val="00B0F0"/>
-                </a:solidFill>
                 <a:effectLst>
                   <a:outerShdw blurRad="38100" dist="38100" dir="2700000" algn="tl">
                     <a:srgbClr val="000000">
@@ -5574,9 +6259,6 @@
             </a:r>
             <a:r>
               <a:rPr lang="en-GB" sz="5600" b="1" i="1" dirty="0">
-                <a:solidFill>
-                  <a:srgbClr val="00B0F0"/>
-                </a:solidFill>
                 <a:effectLst>
                   <a:outerShdw blurRad="38100" dist="38100" dir="2700000" algn="tl">
                     <a:srgbClr val="000000">
@@ -5589,9 +6271,6 @@
             </a:r>
             <a:r>
               <a:rPr lang="en-GB" sz="5600" b="1" i="1" dirty="0" err="1">
-                <a:solidFill>
-                  <a:srgbClr val="00B0F0"/>
-                </a:solidFill>
                 <a:effectLst>
                   <a:outerShdw blurRad="38100" dist="38100" dir="2700000" algn="tl">
                     <a:srgbClr val="000000">
@@ -5604,9 +6283,6 @@
             </a:r>
             <a:r>
               <a:rPr lang="en-GB" sz="5600" b="1" i="1" dirty="0">
-                <a:solidFill>
-                  <a:srgbClr val="00B0F0"/>
-                </a:solidFill>
                 <a:effectLst>
                   <a:outerShdw blurRad="38100" dist="38100" dir="2700000" algn="tl">
                     <a:srgbClr val="000000">
@@ -5616,27 +6292,9 @@
                 </a:effectLst>
               </a:rPr>
               <a:t>,</a:t>
-            </a:r>
-            <a:r>
-              <a:rPr lang="fr-FR" sz="5600" b="1" i="1" dirty="0">
-                <a:solidFill>
-                  <a:srgbClr val="00B0F0"/>
-                </a:solidFill>
-                <a:effectLst>
-                  <a:outerShdw blurRad="38100" dist="38100" dir="2700000" algn="tl">
-                    <a:srgbClr val="000000">
-                      <a:alpha val="43137"/>
-                    </a:srgbClr>
-                  </a:outerShdw>
-                </a:effectLst>
-              </a:rPr>
-              <a:t/>
             </a:r>
             <a:br>
               <a:rPr lang="fr-FR" sz="5600" b="1" i="1" dirty="0">
-                <a:solidFill>
-                  <a:srgbClr val="00B0F0"/>
-                </a:solidFill>
                 <a:effectLst>
                   <a:outerShdw blurRad="38100" dist="38100" dir="2700000" algn="tl">
                     <a:srgbClr val="000000">
@@ -5648,9 +6306,6 @@
             </a:br>
             <a:r>
               <a:rPr lang="en-GB" sz="5600" b="1" i="1" dirty="0" err="1">
-                <a:solidFill>
-                  <a:srgbClr val="00B0F0"/>
-                </a:solidFill>
                 <a:effectLst>
                   <a:outerShdw blurRad="38100" dist="38100" dir="2700000" algn="tl">
                     <a:srgbClr val="000000">
@@ -5663,9 +6318,6 @@
             </a:r>
             <a:r>
               <a:rPr lang="en-GB" sz="5600" b="1" i="1" dirty="0">
-                <a:solidFill>
-                  <a:srgbClr val="00B0F0"/>
-                </a:solidFill>
                 <a:effectLst>
                   <a:outerShdw blurRad="38100" dist="38100" dir="2700000" algn="tl">
                     <a:srgbClr val="000000">
@@ -5678,9 +6330,6 @@
             </a:r>
             <a:r>
               <a:rPr lang="en-GB" sz="5600" b="1" i="1" dirty="0" err="1">
-                <a:solidFill>
-                  <a:srgbClr val="00B0F0"/>
-                </a:solidFill>
                 <a:effectLst>
                   <a:outerShdw blurRad="38100" dist="38100" dir="2700000" algn="tl">
                     <a:srgbClr val="000000">
@@ -5693,9 +6342,6 @@
             </a:r>
             <a:r>
               <a:rPr lang="en-GB" sz="5600" b="1" i="1" dirty="0">
-                <a:solidFill>
-                  <a:srgbClr val="00B0F0"/>
-                </a:solidFill>
                 <a:effectLst>
                   <a:outerShdw blurRad="38100" dist="38100" dir="2700000" algn="tl">
                     <a:srgbClr val="000000">
@@ -5708,9 +6354,6 @@
             </a:r>
             <a:r>
               <a:rPr lang="en-GB" sz="5600" b="1" i="1" dirty="0" err="1">
-                <a:solidFill>
-                  <a:srgbClr val="00B0F0"/>
-                </a:solidFill>
                 <a:effectLst>
                   <a:outerShdw blurRad="38100" dist="38100" dir="2700000" algn="tl">
                     <a:srgbClr val="000000">
@@ -5723,9 +6366,6 @@
             </a:r>
             <a:r>
               <a:rPr lang="en-GB" sz="5600" b="1" i="1" dirty="0">
-                <a:solidFill>
-                  <a:srgbClr val="00B0F0"/>
-                </a:solidFill>
                 <a:effectLst>
                   <a:outerShdw blurRad="38100" dist="38100" dir="2700000" algn="tl">
                     <a:srgbClr val="000000">
@@ -5738,9 +6378,6 @@
             </a:r>
             <a:r>
               <a:rPr lang="en-GB" sz="5600" b="1" i="1" dirty="0" err="1">
-                <a:solidFill>
-                  <a:srgbClr val="00B0F0"/>
-                </a:solidFill>
                 <a:effectLst>
                   <a:outerShdw blurRad="38100" dist="38100" dir="2700000" algn="tl">
                     <a:srgbClr val="000000">
@@ -5750,27 +6387,9 @@
                 </a:effectLst>
               </a:rPr>
               <a:t>Aminao</a:t>
-            </a:r>
-            <a:r>
-              <a:rPr lang="en-GB" sz="5600" b="1" i="1" dirty="0">
-                <a:solidFill>
-                  <a:srgbClr val="00B0F0"/>
-                </a:solidFill>
-                <a:effectLst>
-                  <a:outerShdw blurRad="38100" dist="38100" dir="2700000" algn="tl">
-                    <a:srgbClr val="000000">
-                      <a:alpha val="43137"/>
-                    </a:srgbClr>
-                  </a:outerShdw>
-                </a:effectLst>
-              </a:rPr>
-              <a:t/>
             </a:r>
             <a:br>
               <a:rPr lang="en-GB" sz="5600" b="1" i="1" dirty="0">
-                <a:solidFill>
-                  <a:srgbClr val="00B0F0"/>
-                </a:solidFill>
                 <a:effectLst>
                   <a:outerShdw blurRad="38100" dist="38100" dir="2700000" algn="tl">
                     <a:srgbClr val="000000">
@@ -5782,9 +6401,6 @@
             </a:br>
             <a:r>
               <a:rPr lang="en-GB" sz="5600" b="1" i="1" dirty="0" err="1">
-                <a:solidFill>
-                  <a:srgbClr val="00B0F0"/>
-                </a:solidFill>
                 <a:effectLst>
                   <a:outerShdw blurRad="38100" dist="38100" dir="2700000" algn="tl">
                     <a:srgbClr val="000000">
@@ -5797,9 +6413,6 @@
             </a:r>
             <a:r>
               <a:rPr lang="en-GB" sz="5600" b="1" i="1" dirty="0">
-                <a:solidFill>
-                  <a:srgbClr val="00B0F0"/>
-                </a:solidFill>
                 <a:effectLst>
                   <a:outerShdw blurRad="38100" dist="38100" dir="2700000" algn="tl">
                     <a:srgbClr val="000000">
@@ -5812,9 +6425,6 @@
             </a:r>
             <a:r>
               <a:rPr lang="en-GB" sz="5600" b="1" i="1" dirty="0" err="1">
-                <a:solidFill>
-                  <a:srgbClr val="00B0F0"/>
-                </a:solidFill>
                 <a:effectLst>
                   <a:outerShdw blurRad="38100" dist="38100" dir="2700000" algn="tl">
                     <a:srgbClr val="000000">
@@ -5827,9 +6437,6 @@
             </a:r>
             <a:r>
               <a:rPr lang="en-GB" sz="5600" b="1" i="1" dirty="0">
-                <a:solidFill>
-                  <a:srgbClr val="00B0F0"/>
-                </a:solidFill>
                 <a:effectLst>
                   <a:outerShdw blurRad="38100" dist="38100" dir="2700000" algn="tl">
                     <a:srgbClr val="000000">
@@ -5842,9 +6449,6 @@
             </a:r>
             <a:r>
               <a:rPr lang="en-GB" sz="5600" b="1" i="1" dirty="0" err="1">
-                <a:solidFill>
-                  <a:srgbClr val="00B0F0"/>
-                </a:solidFill>
                 <a:effectLst>
                   <a:outerShdw blurRad="38100" dist="38100" dir="2700000" algn="tl">
                     <a:srgbClr val="000000">
@@ -5854,27 +6458,9 @@
                 </a:effectLst>
               </a:rPr>
               <a:t>doria</a:t>
-            </a:r>
-            <a:r>
-              <a:rPr lang="en-GB" sz="5600" b="1" i="1" dirty="0">
-                <a:solidFill>
-                  <a:srgbClr val="00B0F0"/>
-                </a:solidFill>
-                <a:effectLst>
-                  <a:outerShdw blurRad="38100" dist="38100" dir="2700000" algn="tl">
-                    <a:srgbClr val="000000">
-                      <a:alpha val="43137"/>
-                    </a:srgbClr>
-                  </a:outerShdw>
-                </a:effectLst>
-              </a:rPr>
-              <a:t/>
             </a:r>
             <a:br>
               <a:rPr lang="en-GB" sz="5600" b="1" i="1" dirty="0">
-                <a:solidFill>
-                  <a:srgbClr val="00B0F0"/>
-                </a:solidFill>
                 <a:effectLst>
                   <a:outerShdw blurRad="38100" dist="38100" dir="2700000" algn="tl">
                     <a:srgbClr val="000000">
@@ -5886,9 +6472,6 @@
             </a:br>
             <a:r>
               <a:rPr lang="en-GB" sz="5600" b="1" i="1" dirty="0" err="1">
-                <a:solidFill>
-                  <a:srgbClr val="00B0F0"/>
-                </a:solidFill>
                 <a:effectLst>
                   <a:outerShdw blurRad="38100" dist="38100" dir="2700000" algn="tl">
                     <a:srgbClr val="000000">
@@ -5901,9 +6484,6 @@
             </a:r>
             <a:r>
               <a:rPr lang="en-GB" sz="5600" b="1" i="1" dirty="0">
-                <a:solidFill>
-                  <a:srgbClr val="00B0F0"/>
-                </a:solidFill>
                 <a:effectLst>
                   <a:outerShdw blurRad="38100" dist="38100" dir="2700000" algn="tl">
                     <a:srgbClr val="000000">
@@ -5916,9 +6496,6 @@
             </a:r>
             <a:r>
               <a:rPr lang="en-GB" sz="5600" b="1" i="1" dirty="0" err="1">
-                <a:solidFill>
-                  <a:srgbClr val="00B0F0"/>
-                </a:solidFill>
                 <a:effectLst>
                   <a:outerShdw blurRad="38100" dist="38100" dir="2700000" algn="tl">
                     <a:srgbClr val="000000">
@@ -5931,9 +6508,6 @@
             </a:r>
             <a:r>
               <a:rPr lang="en-GB" sz="5600" b="1" i="1" dirty="0">
-                <a:solidFill>
-                  <a:srgbClr val="00B0F0"/>
-                </a:solidFill>
                 <a:effectLst>
                   <a:outerShdw blurRad="38100" dist="38100" dir="2700000" algn="tl">
                     <a:srgbClr val="000000">
@@ -5946,9 +6520,6 @@
             </a:r>
             <a:r>
               <a:rPr lang="en-GB" sz="5600" b="1" i="1" dirty="0" err="1">
-                <a:solidFill>
-                  <a:srgbClr val="00B0F0"/>
-                </a:solidFill>
                 <a:effectLst>
                   <a:outerShdw blurRad="38100" dist="38100" dir="2700000" algn="tl">
                     <a:srgbClr val="000000">
@@ -5961,9 +6532,6 @@
             </a:r>
             <a:r>
               <a:rPr lang="en-GB" sz="5600" b="1" i="1" dirty="0">
-                <a:solidFill>
-                  <a:srgbClr val="00B0F0"/>
-                </a:solidFill>
                 <a:effectLst>
                   <a:outerShdw blurRad="38100" dist="38100" dir="2700000" algn="tl">
                     <a:srgbClr val="000000">
@@ -5976,9 +6544,6 @@
             </a:r>
             <a:r>
               <a:rPr lang="en-GB" sz="5600" b="1" i="1" dirty="0" err="1">
-                <a:solidFill>
-                  <a:srgbClr val="00B0F0"/>
-                </a:solidFill>
                 <a:effectLst>
                   <a:outerShdw blurRad="38100" dist="38100" dir="2700000" algn="tl">
                     <a:srgbClr val="000000">
@@ -5991,9 +6556,6 @@
             </a:r>
             <a:r>
               <a:rPr lang="en-GB" sz="5600" b="1" i="1" dirty="0">
-                <a:solidFill>
-                  <a:srgbClr val="00B0F0"/>
-                </a:solidFill>
                 <a:effectLst>
                   <a:outerShdw blurRad="38100" dist="38100" dir="2700000" algn="tl">
                     <a:srgbClr val="000000">
@@ -6003,27 +6565,9 @@
                 </a:effectLst>
               </a:rPr>
               <a:t>.</a:t>
-            </a:r>
-            <a:r>
-              <a:rPr lang="fr-FR" sz="5600" b="1" i="1" dirty="0">
-                <a:solidFill>
-                  <a:srgbClr val="00B0F0"/>
-                </a:solidFill>
-                <a:effectLst>
-                  <a:outerShdw blurRad="38100" dist="38100" dir="2700000" algn="tl">
-                    <a:srgbClr val="000000">
-                      <a:alpha val="43137"/>
-                    </a:srgbClr>
-                  </a:outerShdw>
-                </a:effectLst>
-              </a:rPr>
-              <a:t/>
             </a:r>
             <a:br>
               <a:rPr lang="fr-FR" sz="5600" b="1" i="1" dirty="0">
-                <a:solidFill>
-                  <a:srgbClr val="00B0F0"/>
-                </a:solidFill>
                 <a:effectLst>
                   <a:outerShdw blurRad="38100" dist="38100" dir="2700000" algn="tl">
                     <a:srgbClr val="000000">
@@ -6098,7 +6642,7 @@
           <a:lstStyle/>
           <a:p>
             <a:r>
-              <a:rPr lang="en-GB" sz="6000" b="1" dirty="0" smtClean="0">
+              <a:rPr lang="en-GB" sz="6000" b="1" dirty="0">
                 <a:solidFill>
                   <a:srgbClr val="FF0000"/>
                 </a:solidFill>
@@ -6106,7 +6650,7 @@
               <a:t>4-</a:t>
             </a:r>
             <a:r>
-              <a:rPr lang="en-GB" sz="6000" b="1" dirty="0" smtClean="0"/>
+              <a:rPr lang="en-GB" sz="6000" b="1" dirty="0"/>
               <a:t> </a:t>
             </a:r>
             <a:r>
@@ -6132,20 +6676,16 @@
             <a:r>
               <a:rPr lang="en-GB" sz="6000" b="1" dirty="0" err="1"/>
               <a:t>ahy</a:t>
-            </a:r>
-            <a:r>
-              <a:rPr lang="fr-FR" sz="6000" b="1" dirty="0"/>
-              <a:t/>
             </a:r>
             <a:br>
               <a:rPr lang="fr-FR" sz="6000" b="1" dirty="0"/>
             </a:br>
             <a:r>
-              <a:rPr lang="en-GB" sz="6000" b="1" dirty="0" err="1" smtClean="0"/>
+              <a:rPr lang="en-GB" sz="6000" b="1" dirty="0" err="1"/>
               <a:t>Amin’ny</a:t>
             </a:r>
             <a:r>
-              <a:rPr lang="en-GB" sz="6000" b="1" dirty="0" smtClean="0"/>
+              <a:rPr lang="en-GB" sz="6000" b="1" dirty="0"/>
               <a:t> </a:t>
             </a:r>
             <a:r>
@@ -6163,20 +6703,16 @@
             <a:r>
               <a:rPr lang="en-GB" sz="6000" b="1" dirty="0"/>
               <a:t> ?</a:t>
-            </a:r>
-            <a:r>
-              <a:rPr lang="fr-FR" sz="6000" b="1" dirty="0"/>
-              <a:t/>
             </a:r>
             <a:br>
               <a:rPr lang="fr-FR" sz="6000" b="1" dirty="0"/>
             </a:br>
             <a:r>
-              <a:rPr lang="en-GB" sz="6000" b="1" dirty="0" err="1" smtClean="0"/>
+              <a:rPr lang="en-GB" sz="6000" b="1" dirty="0" err="1"/>
               <a:t>Faty</a:t>
             </a:r>
             <a:r>
-              <a:rPr lang="en-GB" sz="6000" b="1" dirty="0" smtClean="0"/>
+              <a:rPr lang="en-GB" sz="6000" b="1" dirty="0"/>
               <a:t> </a:t>
             </a:r>
             <a:r>
@@ -6202,16 +6738,12 @@
             <a:r>
               <a:rPr lang="en-GB" sz="6000" b="1" dirty="0"/>
               <a:t>,</a:t>
-            </a:r>
-            <a:r>
-              <a:rPr lang="fr-FR" sz="6000" b="1" dirty="0"/>
-              <a:t/>
             </a:r>
             <a:br>
               <a:rPr lang="fr-FR" sz="6000" b="1" dirty="0"/>
             </a:br>
             <a:r>
-              <a:rPr lang="en-GB" sz="6000" b="1" dirty="0" err="1" smtClean="0"/>
+              <a:rPr lang="en-GB" sz="6000" b="1" dirty="0" err="1"/>
               <a:t>Loza</a:t>
             </a:r>
             <a:r>
@@ -6295,9 +6827,6 @@
           <a:p>
             <a:r>
               <a:rPr lang="en-GB" sz="5600" b="1" i="1" dirty="0" err="1">
-                <a:solidFill>
-                  <a:srgbClr val="00B0F0"/>
-                </a:solidFill>
                 <a:effectLst>
                   <a:outerShdw blurRad="38100" dist="38100" dir="2700000" algn="tl">
                     <a:srgbClr val="000000">
@@ -6310,9 +6839,6 @@
             </a:r>
             <a:r>
               <a:rPr lang="en-GB" sz="5600" b="1" i="1" dirty="0">
-                <a:solidFill>
-                  <a:srgbClr val="00B0F0"/>
-                </a:solidFill>
                 <a:effectLst>
                   <a:outerShdw blurRad="38100" dist="38100" dir="2700000" algn="tl">
                     <a:srgbClr val="000000">
@@ -6325,9 +6851,6 @@
             </a:r>
             <a:r>
               <a:rPr lang="en-GB" sz="5600" b="1" i="1" dirty="0" err="1">
-                <a:solidFill>
-                  <a:srgbClr val="00B0F0"/>
-                </a:solidFill>
                 <a:effectLst>
                   <a:outerShdw blurRad="38100" dist="38100" dir="2700000" algn="tl">
                     <a:srgbClr val="000000">
@@ -6340,9 +6863,6 @@
             </a:r>
             <a:r>
               <a:rPr lang="en-GB" sz="5600" b="1" i="1" dirty="0">
-                <a:solidFill>
-                  <a:srgbClr val="00B0F0"/>
-                </a:solidFill>
                 <a:effectLst>
                   <a:outerShdw blurRad="38100" dist="38100" dir="2700000" algn="tl">
                     <a:srgbClr val="000000">
@@ -6355,9 +6875,6 @@
             </a:r>
             <a:r>
               <a:rPr lang="en-GB" sz="5600" b="1" i="1" dirty="0" err="1">
-                <a:solidFill>
-                  <a:srgbClr val="00B0F0"/>
-                </a:solidFill>
                 <a:effectLst>
                   <a:outerShdw blurRad="38100" dist="38100" dir="2700000" algn="tl">
                     <a:srgbClr val="000000">
@@ -6370,9 +6887,6 @@
             </a:r>
             <a:r>
               <a:rPr lang="en-GB" sz="5600" b="1" i="1" dirty="0">
-                <a:solidFill>
-                  <a:srgbClr val="00B0F0"/>
-                </a:solidFill>
                 <a:effectLst>
                   <a:outerShdw blurRad="38100" dist="38100" dir="2700000" algn="tl">
                     <a:srgbClr val="000000">
@@ -6385,9 +6899,6 @@
             </a:r>
             <a:r>
               <a:rPr lang="en-GB" sz="5600" b="1" i="1" dirty="0" err="1">
-                <a:solidFill>
-                  <a:srgbClr val="00B0F0"/>
-                </a:solidFill>
                 <a:effectLst>
                   <a:outerShdw blurRad="38100" dist="38100" dir="2700000" algn="tl">
                     <a:srgbClr val="000000">
@@ -6400,9 +6911,6 @@
             </a:r>
             <a:r>
               <a:rPr lang="en-GB" sz="5600" b="1" i="1" dirty="0">
-                <a:solidFill>
-                  <a:srgbClr val="00B0F0"/>
-                </a:solidFill>
                 <a:effectLst>
                   <a:outerShdw blurRad="38100" dist="38100" dir="2700000" algn="tl">
                     <a:srgbClr val="000000">
@@ -6415,9 +6923,6 @@
             </a:r>
             <a:r>
               <a:rPr lang="en-GB" sz="5600" b="1" i="1" dirty="0" err="1">
-                <a:solidFill>
-                  <a:srgbClr val="00B0F0"/>
-                </a:solidFill>
                 <a:effectLst>
                   <a:outerShdw blurRad="38100" dist="38100" dir="2700000" algn="tl">
                     <a:srgbClr val="000000">
@@ -6430,9 +6935,6 @@
             </a:r>
             <a:r>
               <a:rPr lang="en-GB" sz="5600" b="1" i="1" dirty="0">
-                <a:solidFill>
-                  <a:srgbClr val="00B0F0"/>
-                </a:solidFill>
                 <a:effectLst>
                   <a:outerShdw blurRad="38100" dist="38100" dir="2700000" algn="tl">
                     <a:srgbClr val="000000">
@@ -6442,27 +6944,9 @@
                 </a:effectLst>
               </a:rPr>
               <a:t>,</a:t>
-            </a:r>
-            <a:r>
-              <a:rPr lang="fr-FR" sz="5600" b="1" i="1" dirty="0">
-                <a:solidFill>
-                  <a:srgbClr val="00B0F0"/>
-                </a:solidFill>
-                <a:effectLst>
-                  <a:outerShdw blurRad="38100" dist="38100" dir="2700000" algn="tl">
-                    <a:srgbClr val="000000">
-                      <a:alpha val="43137"/>
-                    </a:srgbClr>
-                  </a:outerShdw>
-                </a:effectLst>
-              </a:rPr>
-              <a:t/>
             </a:r>
             <a:br>
               <a:rPr lang="fr-FR" sz="5600" b="1" i="1" dirty="0">
-                <a:solidFill>
-                  <a:srgbClr val="00B0F0"/>
-                </a:solidFill>
                 <a:effectLst>
                   <a:outerShdw blurRad="38100" dist="38100" dir="2700000" algn="tl">
                     <a:srgbClr val="000000">
@@ -6474,9 +6958,6 @@
             </a:br>
             <a:r>
               <a:rPr lang="en-GB" sz="5600" b="1" i="1" dirty="0" err="1">
-                <a:solidFill>
-                  <a:srgbClr val="00B0F0"/>
-                </a:solidFill>
                 <a:effectLst>
                   <a:outerShdw blurRad="38100" dist="38100" dir="2700000" algn="tl">
                     <a:srgbClr val="000000">
@@ -6489,9 +6970,6 @@
             </a:r>
             <a:r>
               <a:rPr lang="en-GB" sz="5600" b="1" i="1" dirty="0">
-                <a:solidFill>
-                  <a:srgbClr val="00B0F0"/>
-                </a:solidFill>
                 <a:effectLst>
                   <a:outerShdw blurRad="38100" dist="38100" dir="2700000" algn="tl">
                     <a:srgbClr val="000000">
@@ -6504,9 +6982,6 @@
             </a:r>
             <a:r>
               <a:rPr lang="en-GB" sz="5600" b="1" i="1" dirty="0" err="1">
-                <a:solidFill>
-                  <a:srgbClr val="00B0F0"/>
-                </a:solidFill>
                 <a:effectLst>
                   <a:outerShdw blurRad="38100" dist="38100" dir="2700000" algn="tl">
                     <a:srgbClr val="000000">
@@ -6519,9 +6994,6 @@
             </a:r>
             <a:r>
               <a:rPr lang="en-GB" sz="5600" b="1" i="1" dirty="0">
-                <a:solidFill>
-                  <a:srgbClr val="00B0F0"/>
-                </a:solidFill>
                 <a:effectLst>
                   <a:outerShdw blurRad="38100" dist="38100" dir="2700000" algn="tl">
                     <a:srgbClr val="000000">
@@ -6534,9 +7006,6 @@
             </a:r>
             <a:r>
               <a:rPr lang="en-GB" sz="5600" b="1" i="1" dirty="0" err="1">
-                <a:solidFill>
-                  <a:srgbClr val="00B0F0"/>
-                </a:solidFill>
                 <a:effectLst>
                   <a:outerShdw blurRad="38100" dist="38100" dir="2700000" algn="tl">
                     <a:srgbClr val="000000">
@@ -6549,9 +7018,6 @@
             </a:r>
             <a:r>
               <a:rPr lang="en-GB" sz="5600" b="1" i="1" dirty="0">
-                <a:solidFill>
-                  <a:srgbClr val="00B0F0"/>
-                </a:solidFill>
                 <a:effectLst>
                   <a:outerShdw blurRad="38100" dist="38100" dir="2700000" algn="tl">
                     <a:srgbClr val="000000">
@@ -6564,9 +7030,6 @@
             </a:r>
             <a:r>
               <a:rPr lang="en-GB" sz="5600" b="1" i="1" dirty="0" err="1">
-                <a:solidFill>
-                  <a:srgbClr val="00B0F0"/>
-                </a:solidFill>
                 <a:effectLst>
                   <a:outerShdw blurRad="38100" dist="38100" dir="2700000" algn="tl">
                     <a:srgbClr val="000000">
@@ -6576,27 +7039,9 @@
                 </a:effectLst>
               </a:rPr>
               <a:t>Aminao</a:t>
-            </a:r>
-            <a:r>
-              <a:rPr lang="en-GB" sz="5600" b="1" i="1" dirty="0">
-                <a:solidFill>
-                  <a:srgbClr val="00B0F0"/>
-                </a:solidFill>
-                <a:effectLst>
-                  <a:outerShdw blurRad="38100" dist="38100" dir="2700000" algn="tl">
-                    <a:srgbClr val="000000">
-                      <a:alpha val="43137"/>
-                    </a:srgbClr>
-                  </a:outerShdw>
-                </a:effectLst>
-              </a:rPr>
-              <a:t/>
             </a:r>
             <a:br>
               <a:rPr lang="en-GB" sz="5600" b="1" i="1" dirty="0">
-                <a:solidFill>
-                  <a:srgbClr val="00B0F0"/>
-                </a:solidFill>
                 <a:effectLst>
                   <a:outerShdw blurRad="38100" dist="38100" dir="2700000" algn="tl">
                     <a:srgbClr val="000000">
@@ -6608,9 +7053,6 @@
             </a:br>
             <a:r>
               <a:rPr lang="en-GB" sz="5600" b="1" i="1" dirty="0" err="1">
-                <a:solidFill>
-                  <a:srgbClr val="00B0F0"/>
-                </a:solidFill>
                 <a:effectLst>
                   <a:outerShdw blurRad="38100" dist="38100" dir="2700000" algn="tl">
                     <a:srgbClr val="000000">
@@ -6623,9 +7065,6 @@
             </a:r>
             <a:r>
               <a:rPr lang="en-GB" sz="5600" b="1" i="1" dirty="0">
-                <a:solidFill>
-                  <a:srgbClr val="00B0F0"/>
-                </a:solidFill>
                 <a:effectLst>
                   <a:outerShdw blurRad="38100" dist="38100" dir="2700000" algn="tl">
                     <a:srgbClr val="000000">
@@ -6638,9 +7077,6 @@
             </a:r>
             <a:r>
               <a:rPr lang="en-GB" sz="5600" b="1" i="1" dirty="0" err="1">
-                <a:solidFill>
-                  <a:srgbClr val="00B0F0"/>
-                </a:solidFill>
                 <a:effectLst>
                   <a:outerShdw blurRad="38100" dist="38100" dir="2700000" algn="tl">
                     <a:srgbClr val="000000">
@@ -6653,9 +7089,6 @@
             </a:r>
             <a:r>
               <a:rPr lang="en-GB" sz="5600" b="1" i="1" dirty="0">
-                <a:solidFill>
-                  <a:srgbClr val="00B0F0"/>
-                </a:solidFill>
                 <a:effectLst>
                   <a:outerShdw blurRad="38100" dist="38100" dir="2700000" algn="tl">
                     <a:srgbClr val="000000">
@@ -6668,9 +7101,6 @@
             </a:r>
             <a:r>
               <a:rPr lang="en-GB" sz="5600" b="1" i="1" dirty="0" err="1">
-                <a:solidFill>
-                  <a:srgbClr val="00B0F0"/>
-                </a:solidFill>
                 <a:effectLst>
                   <a:outerShdw blurRad="38100" dist="38100" dir="2700000" algn="tl">
                     <a:srgbClr val="000000">
@@ -6680,27 +7110,9 @@
                 </a:effectLst>
               </a:rPr>
               <a:t>doria</a:t>
-            </a:r>
-            <a:r>
-              <a:rPr lang="en-GB" sz="5600" b="1" i="1" dirty="0">
-                <a:solidFill>
-                  <a:srgbClr val="00B0F0"/>
-                </a:solidFill>
-                <a:effectLst>
-                  <a:outerShdw blurRad="38100" dist="38100" dir="2700000" algn="tl">
-                    <a:srgbClr val="000000">
-                      <a:alpha val="43137"/>
-                    </a:srgbClr>
-                  </a:outerShdw>
-                </a:effectLst>
-              </a:rPr>
-              <a:t/>
             </a:r>
             <a:br>
               <a:rPr lang="en-GB" sz="5600" b="1" i="1" dirty="0">
-                <a:solidFill>
-                  <a:srgbClr val="00B0F0"/>
-                </a:solidFill>
                 <a:effectLst>
                   <a:outerShdw blurRad="38100" dist="38100" dir="2700000" algn="tl">
                     <a:srgbClr val="000000">
@@ -6712,9 +7124,6 @@
             </a:br>
             <a:r>
               <a:rPr lang="en-GB" sz="5600" b="1" i="1" dirty="0" err="1">
-                <a:solidFill>
-                  <a:srgbClr val="00B0F0"/>
-                </a:solidFill>
                 <a:effectLst>
                   <a:outerShdw blurRad="38100" dist="38100" dir="2700000" algn="tl">
                     <a:srgbClr val="000000">
@@ -6727,9 +7136,6 @@
             </a:r>
             <a:r>
               <a:rPr lang="en-GB" sz="5600" b="1" i="1" dirty="0">
-                <a:solidFill>
-                  <a:srgbClr val="00B0F0"/>
-                </a:solidFill>
                 <a:effectLst>
                   <a:outerShdw blurRad="38100" dist="38100" dir="2700000" algn="tl">
                     <a:srgbClr val="000000">
@@ -6742,9 +7148,6 @@
             </a:r>
             <a:r>
               <a:rPr lang="en-GB" sz="5600" b="1" i="1" dirty="0" err="1">
-                <a:solidFill>
-                  <a:srgbClr val="00B0F0"/>
-                </a:solidFill>
                 <a:effectLst>
                   <a:outerShdw blurRad="38100" dist="38100" dir="2700000" algn="tl">
                     <a:srgbClr val="000000">
@@ -6757,9 +7160,6 @@
             </a:r>
             <a:r>
               <a:rPr lang="en-GB" sz="5600" b="1" i="1" dirty="0">
-                <a:solidFill>
-                  <a:srgbClr val="00B0F0"/>
-                </a:solidFill>
                 <a:effectLst>
                   <a:outerShdw blurRad="38100" dist="38100" dir="2700000" algn="tl">
                     <a:srgbClr val="000000">
@@ -6772,9 +7172,6 @@
             </a:r>
             <a:r>
               <a:rPr lang="en-GB" sz="5600" b="1" i="1" dirty="0" err="1">
-                <a:solidFill>
-                  <a:srgbClr val="00B0F0"/>
-                </a:solidFill>
                 <a:effectLst>
                   <a:outerShdw blurRad="38100" dist="38100" dir="2700000" algn="tl">
                     <a:srgbClr val="000000">
@@ -6787,9 +7184,6 @@
             </a:r>
             <a:r>
               <a:rPr lang="en-GB" sz="5600" b="1" i="1" dirty="0">
-                <a:solidFill>
-                  <a:srgbClr val="00B0F0"/>
-                </a:solidFill>
                 <a:effectLst>
                   <a:outerShdw blurRad="38100" dist="38100" dir="2700000" algn="tl">
                     <a:srgbClr val="000000">
@@ -6802,9 +7196,6 @@
             </a:r>
             <a:r>
               <a:rPr lang="en-GB" sz="5600" b="1" i="1" dirty="0" err="1">
-                <a:solidFill>
-                  <a:srgbClr val="00B0F0"/>
-                </a:solidFill>
                 <a:effectLst>
                   <a:outerShdw blurRad="38100" dist="38100" dir="2700000" algn="tl">
                     <a:srgbClr val="000000">
@@ -6817,9 +7208,6 @@
             </a:r>
             <a:r>
               <a:rPr lang="en-GB" sz="5600" b="1" i="1" dirty="0">
-                <a:solidFill>
-                  <a:srgbClr val="00B0F0"/>
-                </a:solidFill>
                 <a:effectLst>
                   <a:outerShdw blurRad="38100" dist="38100" dir="2700000" algn="tl">
                     <a:srgbClr val="000000">
@@ -6829,27 +7217,9 @@
                 </a:effectLst>
               </a:rPr>
               <a:t>.</a:t>
-            </a:r>
-            <a:r>
-              <a:rPr lang="fr-FR" sz="5600" b="1" i="1" dirty="0">
-                <a:solidFill>
-                  <a:srgbClr val="00B0F0"/>
-                </a:solidFill>
-                <a:effectLst>
-                  <a:outerShdw blurRad="38100" dist="38100" dir="2700000" algn="tl">
-                    <a:srgbClr val="000000">
-                      <a:alpha val="43137"/>
-                    </a:srgbClr>
-                  </a:outerShdw>
-                </a:effectLst>
-              </a:rPr>
-              <a:t/>
             </a:r>
             <a:br>
               <a:rPr lang="fr-FR" sz="5600" b="1" i="1" dirty="0">
-                <a:solidFill>
-                  <a:srgbClr val="00B0F0"/>
-                </a:solidFill>
                 <a:effectLst>
                   <a:outerShdw blurRad="38100" dist="38100" dir="2700000" algn="tl">
                     <a:srgbClr val="000000">
@@ -7165,4 +7535,299 @@
   <a:objectDefaults/>
   <a:extraClrSchemeLst/>
 </a:theme>
+</file>
+
+<file path=ppt/theme/theme2.xml><?xml version="1.0" encoding="utf-8"?>
+<a:theme xmlns:a="http://schemas.openxmlformats.org/drawingml/2006/main" name="Thème Office">
+  <a:themeElements>
+    <a:clrScheme name="Office">
+      <a:dk1>
+        <a:sysClr val="windowText" lastClr="000000"/>
+      </a:dk1>
+      <a:lt1>
+        <a:sysClr val="window" lastClr="FFFFFF"/>
+      </a:lt1>
+      <a:dk2>
+        <a:srgbClr val="44546A"/>
+      </a:dk2>
+      <a:lt2>
+        <a:srgbClr val="E7E6E6"/>
+      </a:lt2>
+      <a:accent1>
+        <a:srgbClr val="4472C4"/>
+      </a:accent1>
+      <a:accent2>
+        <a:srgbClr val="ED7D31"/>
+      </a:accent2>
+      <a:accent3>
+        <a:srgbClr val="A5A5A5"/>
+      </a:accent3>
+      <a:accent4>
+        <a:srgbClr val="FFC000"/>
+      </a:accent4>
+      <a:accent5>
+        <a:srgbClr val="5B9BD5"/>
+      </a:accent5>
+      <a:accent6>
+        <a:srgbClr val="70AD47"/>
+      </a:accent6>
+      <a:hlink>
+        <a:srgbClr val="0563C1"/>
+      </a:hlink>
+      <a:folHlink>
+        <a:srgbClr val="954F72"/>
+      </a:folHlink>
+    </a:clrScheme>
+    <a:fontScheme name="Office">
+      <a:majorFont>
+        <a:latin typeface="Calibri Light" panose="020F0302020204030204"/>
+        <a:ea typeface=""/>
+        <a:cs typeface=""/>
+        <a:font script="Jpan" typeface="游ゴシック Light"/>
+        <a:font script="Hang" typeface="맑은 고딕"/>
+        <a:font script="Hans" typeface="等线 Light"/>
+        <a:font script="Hant" typeface="新細明體"/>
+        <a:font script="Arab" typeface="Times New Roman"/>
+        <a:font script="Hebr" typeface="Times New Roman"/>
+        <a:font script="Thai" typeface="Angsana New"/>
+        <a:font script="Ethi" typeface="Nyala"/>
+        <a:font script="Beng" typeface="Vrinda"/>
+        <a:font script="Gujr" typeface="Shruti"/>
+        <a:font script="Khmr" typeface="MoolBoran"/>
+        <a:font script="Knda" typeface="Tunga"/>
+        <a:font script="Guru" typeface="Raavi"/>
+        <a:font script="Cans" typeface="Euphemia"/>
+        <a:font script="Cher" typeface="Plantagenet Cherokee"/>
+        <a:font script="Yiii" typeface="Microsoft Yi Baiti"/>
+        <a:font script="Tibt" typeface="Microsoft Himalaya"/>
+        <a:font script="Thaa" typeface="MV Boli"/>
+        <a:font script="Deva" typeface="Mangal"/>
+        <a:font script="Telu" typeface="Gautami"/>
+        <a:font script="Taml" typeface="Latha"/>
+        <a:font script="Syrc" typeface="Estrangelo Edessa"/>
+        <a:font script="Orya" typeface="Kalinga"/>
+        <a:font script="Mlym" typeface="Kartika"/>
+        <a:font script="Laoo" typeface="DokChampa"/>
+        <a:font script="Sinh" typeface="Iskoola Pota"/>
+        <a:font script="Mong" typeface="Mongolian Baiti"/>
+        <a:font script="Viet" typeface="Times New Roman"/>
+        <a:font script="Uigh" typeface="Microsoft Uighur"/>
+        <a:font script="Geor" typeface="Sylfaen"/>
+        <a:font script="Armn" typeface="Arial"/>
+        <a:font script="Bugi" typeface="Leelawadee UI"/>
+        <a:font script="Bopo" typeface="Microsoft JhengHei"/>
+        <a:font script="Java" typeface="Javanese Text"/>
+        <a:font script="Lisu" typeface="Segoe UI"/>
+        <a:font script="Mymr" typeface="Myanmar Text"/>
+        <a:font script="Nkoo" typeface="Ebrima"/>
+        <a:font script="Olck" typeface="Nirmala UI"/>
+        <a:font script="Osma" typeface="Ebrima"/>
+        <a:font script="Phag" typeface="Phagspa"/>
+        <a:font script="Syrn" typeface="Estrangelo Edessa"/>
+        <a:font script="Syrj" typeface="Estrangelo Edessa"/>
+        <a:font script="Syre" typeface="Estrangelo Edessa"/>
+        <a:font script="Sora" typeface="Nirmala UI"/>
+        <a:font script="Tale" typeface="Microsoft Tai Le"/>
+        <a:font script="Talu" typeface="Microsoft New Tai Lue"/>
+        <a:font script="Tfng" typeface="Ebrima"/>
+      </a:majorFont>
+      <a:minorFont>
+        <a:latin typeface="Calibri" panose="020F0502020204030204"/>
+        <a:ea typeface=""/>
+        <a:cs typeface=""/>
+        <a:font script="Jpan" typeface="游ゴシック"/>
+        <a:font script="Hang" typeface="맑은 고딕"/>
+        <a:font script="Hans" typeface="等线"/>
+        <a:font script="Hant" typeface="新細明體"/>
+        <a:font script="Arab" typeface="Arial"/>
+        <a:font script="Hebr" typeface="Arial"/>
+        <a:font script="Thai" typeface="Cordia New"/>
+        <a:font script="Ethi" typeface="Nyala"/>
+        <a:font script="Beng" typeface="Vrinda"/>
+        <a:font script="Gujr" typeface="Shruti"/>
+        <a:font script="Khmr" typeface="DaunPenh"/>
+        <a:font script="Knda" typeface="Tunga"/>
+        <a:font script="Guru" typeface="Raavi"/>
+        <a:font script="Cans" typeface="Euphemia"/>
+        <a:font script="Cher" typeface="Plantagenet Cherokee"/>
+        <a:font script="Yiii" typeface="Microsoft Yi Baiti"/>
+        <a:font script="Tibt" typeface="Microsoft Himalaya"/>
+        <a:font script="Thaa" typeface="MV Boli"/>
+        <a:font script="Deva" typeface="Mangal"/>
+        <a:font script="Telu" typeface="Gautami"/>
+        <a:font script="Taml" typeface="Latha"/>
+        <a:font script="Syrc" typeface="Estrangelo Edessa"/>
+        <a:font script="Orya" typeface="Kalinga"/>
+        <a:font script="Mlym" typeface="Kartika"/>
+        <a:font script="Laoo" typeface="DokChampa"/>
+        <a:font script="Sinh" typeface="Iskoola Pota"/>
+        <a:font script="Mong" typeface="Mongolian Baiti"/>
+        <a:font script="Viet" typeface="Arial"/>
+        <a:font script="Uigh" typeface="Microsoft Uighur"/>
+        <a:font script="Geor" typeface="Sylfaen"/>
+        <a:font script="Armn" typeface="Arial"/>
+        <a:font script="Bugi" typeface="Leelawadee UI"/>
+        <a:font script="Bopo" typeface="Microsoft JhengHei"/>
+        <a:font script="Java" typeface="Javanese Text"/>
+        <a:font script="Lisu" typeface="Segoe UI"/>
+        <a:font script="Mymr" typeface="Myanmar Text"/>
+        <a:font script="Nkoo" typeface="Ebrima"/>
+        <a:font script="Olck" typeface="Nirmala UI"/>
+        <a:font script="Osma" typeface="Ebrima"/>
+        <a:font script="Phag" typeface="Phagspa"/>
+        <a:font script="Syrn" typeface="Estrangelo Edessa"/>
+        <a:font script="Syrj" typeface="Estrangelo Edessa"/>
+        <a:font script="Syre" typeface="Estrangelo Edessa"/>
+        <a:font script="Sora" typeface="Nirmala UI"/>
+        <a:font script="Tale" typeface="Microsoft Tai Le"/>
+        <a:font script="Talu" typeface="Microsoft New Tai Lue"/>
+        <a:font script="Tfng" typeface="Ebrima"/>
+      </a:minorFont>
+    </a:fontScheme>
+    <a:fmtScheme name="Office">
+      <a:fillStyleLst>
+        <a:solidFill>
+          <a:schemeClr val="phClr"/>
+        </a:solidFill>
+        <a:gradFill rotWithShape="1">
+          <a:gsLst>
+            <a:gs pos="0">
+              <a:schemeClr val="phClr">
+                <a:lumMod val="110000"/>
+                <a:satMod val="105000"/>
+                <a:tint val="67000"/>
+              </a:schemeClr>
+            </a:gs>
+            <a:gs pos="50000">
+              <a:schemeClr val="phClr">
+                <a:lumMod val="105000"/>
+                <a:satMod val="103000"/>
+                <a:tint val="73000"/>
+              </a:schemeClr>
+            </a:gs>
+            <a:gs pos="100000">
+              <a:schemeClr val="phClr">
+                <a:lumMod val="105000"/>
+                <a:satMod val="109000"/>
+                <a:tint val="81000"/>
+              </a:schemeClr>
+            </a:gs>
+          </a:gsLst>
+          <a:lin ang="5400000" scaled="0"/>
+        </a:gradFill>
+        <a:gradFill rotWithShape="1">
+          <a:gsLst>
+            <a:gs pos="0">
+              <a:schemeClr val="phClr">
+                <a:satMod val="103000"/>
+                <a:lumMod val="102000"/>
+                <a:tint val="94000"/>
+              </a:schemeClr>
+            </a:gs>
+            <a:gs pos="50000">
+              <a:schemeClr val="phClr">
+                <a:satMod val="110000"/>
+                <a:lumMod val="100000"/>
+                <a:shade val="100000"/>
+              </a:schemeClr>
+            </a:gs>
+            <a:gs pos="100000">
+              <a:schemeClr val="phClr">
+                <a:lumMod val="99000"/>
+                <a:satMod val="120000"/>
+                <a:shade val="78000"/>
+              </a:schemeClr>
+            </a:gs>
+          </a:gsLst>
+          <a:lin ang="5400000" scaled="0"/>
+        </a:gradFill>
+      </a:fillStyleLst>
+      <a:lnStyleLst>
+        <a:ln w="6350" cap="flat" cmpd="sng" algn="ctr">
+          <a:solidFill>
+            <a:schemeClr val="phClr"/>
+          </a:solidFill>
+          <a:prstDash val="solid"/>
+          <a:miter lim="800000"/>
+        </a:ln>
+        <a:ln w="12700" cap="flat" cmpd="sng" algn="ctr">
+          <a:solidFill>
+            <a:schemeClr val="phClr"/>
+          </a:solidFill>
+          <a:prstDash val="solid"/>
+          <a:miter lim="800000"/>
+        </a:ln>
+        <a:ln w="19050" cap="flat" cmpd="sng" algn="ctr">
+          <a:solidFill>
+            <a:schemeClr val="phClr"/>
+          </a:solidFill>
+          <a:prstDash val="solid"/>
+          <a:miter lim="800000"/>
+        </a:ln>
+      </a:lnStyleLst>
+      <a:effectStyleLst>
+        <a:effectStyle>
+          <a:effectLst/>
+        </a:effectStyle>
+        <a:effectStyle>
+          <a:effectLst/>
+        </a:effectStyle>
+        <a:effectStyle>
+          <a:effectLst>
+            <a:outerShdw blurRad="57150" dist="19050" dir="5400000" algn="ctr" rotWithShape="0">
+              <a:srgbClr val="000000">
+                <a:alpha val="63000"/>
+              </a:srgbClr>
+            </a:outerShdw>
+          </a:effectLst>
+        </a:effectStyle>
+      </a:effectStyleLst>
+      <a:bgFillStyleLst>
+        <a:solidFill>
+          <a:schemeClr val="phClr"/>
+        </a:solidFill>
+        <a:solidFill>
+          <a:schemeClr val="phClr">
+            <a:tint val="95000"/>
+            <a:satMod val="170000"/>
+          </a:schemeClr>
+        </a:solidFill>
+        <a:gradFill rotWithShape="1">
+          <a:gsLst>
+            <a:gs pos="0">
+              <a:schemeClr val="phClr">
+                <a:tint val="93000"/>
+                <a:satMod val="150000"/>
+                <a:shade val="98000"/>
+                <a:lumMod val="102000"/>
+              </a:schemeClr>
+            </a:gs>
+            <a:gs pos="50000">
+              <a:schemeClr val="phClr">
+                <a:tint val="98000"/>
+                <a:satMod val="130000"/>
+                <a:shade val="90000"/>
+                <a:lumMod val="103000"/>
+              </a:schemeClr>
+            </a:gs>
+            <a:gs pos="100000">
+              <a:schemeClr val="phClr">
+                <a:shade val="63000"/>
+                <a:satMod val="120000"/>
+              </a:schemeClr>
+            </a:gs>
+          </a:gsLst>
+          <a:lin ang="5400000" scaled="0"/>
+        </a:gradFill>
+      </a:bgFillStyleLst>
+    </a:fmtScheme>
+  </a:themeElements>
+  <a:objectDefaults/>
+  <a:extraClrSchemeLst/>
+  <a:extLst>
+    <a:ext uri="{05A4C25C-085E-4340-85A3-A5531E510DB2}">
+      <thm15:themeFamily xmlns:thm15="http://schemas.microsoft.com/office/thememl/2012/main" name="Office Theme" id="{62F939B6-93AF-4DB8-9C6B-D6C7DFDC589F}" vid="{4A3C46E8-61CC-4603-A589-7422A47A8E4A}"/>
+    </a:ext>
+  </a:extLst>
+</a:theme>
 </file>